--- a/slides/On-Campus/07_03_Inheritance.pptx
+++ b/slides/On-Campus/07_03_Inheritance.pptx
@@ -152,19 +152,67 @@
 <pc:chgInfo xmlns:a="http://schemas.openxmlformats.org/drawingml/2006/main" xmlns:r="http://schemas.openxmlformats.org/officeDocument/2006/relationships" xmlns:ac="http://schemas.microsoft.com/office/drawing/2013/main/command" xmlns:pc="http://schemas.microsoft.com/office/powerpoint/2013/main/command">
   <pc:docChgLst>
     <pc:chgData name="Marcia Moraes" userId="c9c67e8a-58e2-4733-9a1c-5d44fec4775b" providerId="ADAL" clId="{7A3B5759-C5AE-4F4B-A123-A71CEDFB2A85}"/>
-    <pc:docChg chg="custSel delSld modSld">
-      <pc:chgData name="Marcia Moraes" userId="c9c67e8a-58e2-4733-9a1c-5d44fec4775b" providerId="ADAL" clId="{7A3B5759-C5AE-4F4B-A123-A71CEDFB2A85}" dt="2023-03-03T00:54:05.653" v="472" actId="20577"/>
+  </pc:docChgLst>
+  <pc:docChgLst>
+    <pc:chgData name="Marcia Moraes" userId="c9c67e8a-58e2-4733-9a1c-5d44fec4775b" providerId="ADAL" clId="{FFA5543F-4D04-47EB-B450-89416CE2F2D2}"/>
+    <pc:docChg chg="custSel modSld">
+      <pc:chgData name="Marcia Moraes" userId="c9c67e8a-58e2-4733-9a1c-5d44fec4775b" providerId="ADAL" clId="{FFA5543F-4D04-47EB-B450-89416CE2F2D2}" dt="2023-09-14T15:43:40.234" v="171" actId="1076"/>
       <pc:docMkLst>
         <pc:docMk/>
       </pc:docMkLst>
-      <pc:sldChg chg="delSp modSp delAnim">
-        <pc:chgData name="Marcia Moraes" userId="c9c67e8a-58e2-4733-9a1c-5d44fec4775b" providerId="ADAL" clId="{7A3B5759-C5AE-4F4B-A123-A71CEDFB2A85}" dt="2023-03-03T00:54:05.653" v="472" actId="20577"/>
+      <pc:sldChg chg="modSp">
+        <pc:chgData name="Marcia Moraes" userId="c9c67e8a-58e2-4733-9a1c-5d44fec4775b" providerId="ADAL" clId="{FFA5543F-4D04-47EB-B450-89416CE2F2D2}" dt="2023-09-14T15:42:39.435" v="163" actId="255"/>
+        <pc:sldMkLst>
+          <pc:docMk/>
+          <pc:sldMk cId="4031683521" sldId="257"/>
+        </pc:sldMkLst>
+        <pc:spChg chg="mod">
+          <ac:chgData name="Marcia Moraes" userId="c9c67e8a-58e2-4733-9a1c-5d44fec4775b" providerId="ADAL" clId="{FFA5543F-4D04-47EB-B450-89416CE2F2D2}" dt="2023-09-14T15:42:39.435" v="163" actId="255"/>
+          <ac:spMkLst>
+            <pc:docMk/>
+            <pc:sldMk cId="4031683521" sldId="257"/>
+            <ac:spMk id="5" creationId="{DDFDC286-5F2E-A744-9400-818045889D9E}"/>
+          </ac:spMkLst>
+        </pc:spChg>
+      </pc:sldChg>
+      <pc:sldChg chg="modSp">
+        <pc:chgData name="Marcia Moraes" userId="c9c67e8a-58e2-4733-9a1c-5d44fec4775b" providerId="ADAL" clId="{FFA5543F-4D04-47EB-B450-89416CE2F2D2}" dt="2023-09-14T15:42:52.206" v="164" actId="255"/>
+        <pc:sldMkLst>
+          <pc:docMk/>
+          <pc:sldMk cId="602393919" sldId="259"/>
+        </pc:sldMkLst>
+        <pc:spChg chg="mod">
+          <ac:chgData name="Marcia Moraes" userId="c9c67e8a-58e2-4733-9a1c-5d44fec4775b" providerId="ADAL" clId="{FFA5543F-4D04-47EB-B450-89416CE2F2D2}" dt="2023-09-14T15:42:52.206" v="164" actId="255"/>
+          <ac:spMkLst>
+            <pc:docMk/>
+            <pc:sldMk cId="602393919" sldId="259"/>
+            <ac:spMk id="3" creationId="{98D78EC2-9F67-E240-B2FA-C686DD2B30EA}"/>
+          </ac:spMkLst>
+        </pc:spChg>
+      </pc:sldChg>
+      <pc:sldChg chg="modSp">
+        <pc:chgData name="Marcia Moraes" userId="c9c67e8a-58e2-4733-9a1c-5d44fec4775b" providerId="ADAL" clId="{FFA5543F-4D04-47EB-B450-89416CE2F2D2}" dt="2023-09-14T15:43:02.927" v="165" actId="255"/>
+        <pc:sldMkLst>
+          <pc:docMk/>
+          <pc:sldMk cId="2558376359" sldId="260"/>
+        </pc:sldMkLst>
+        <pc:spChg chg="mod">
+          <ac:chgData name="Marcia Moraes" userId="c9c67e8a-58e2-4733-9a1c-5d44fec4775b" providerId="ADAL" clId="{FFA5543F-4D04-47EB-B450-89416CE2F2D2}" dt="2023-09-14T15:43:02.927" v="165" actId="255"/>
+          <ac:spMkLst>
+            <pc:docMk/>
+            <pc:sldMk cId="2558376359" sldId="260"/>
+            <ac:spMk id="3" creationId="{C4E5E1A7-90FB-344C-B636-B46CD6ACE694}"/>
+          </ac:spMkLst>
+        </pc:spChg>
+      </pc:sldChg>
+      <pc:sldChg chg="modSp">
+        <pc:chgData name="Marcia Moraes" userId="c9c67e8a-58e2-4733-9a1c-5d44fec4775b" providerId="ADAL" clId="{FFA5543F-4D04-47EB-B450-89416CE2F2D2}" dt="2023-09-14T15:43:40.234" v="171" actId="1076"/>
         <pc:sldMkLst>
           <pc:docMk/>
           <pc:sldMk cId="1733493820" sldId="261"/>
         </pc:sldMkLst>
         <pc:spChg chg="mod">
-          <ac:chgData name="Marcia Moraes" userId="c9c67e8a-58e2-4733-9a1c-5d44fec4775b" providerId="ADAL" clId="{7A3B5759-C5AE-4F4B-A123-A71CEDFB2A85}" dt="2023-03-03T00:52:46.627" v="342" actId="1076"/>
+          <ac:chgData name="Marcia Moraes" userId="c9c67e8a-58e2-4733-9a1c-5d44fec4775b" providerId="ADAL" clId="{FFA5543F-4D04-47EB-B450-89416CE2F2D2}" dt="2023-09-14T15:43:18.569" v="168" actId="1076"/>
           <ac:spMkLst>
             <pc:docMk/>
             <pc:sldMk cId="1733493820" sldId="261"/>
@@ -172,7 +220,7 @@
           </ac:spMkLst>
         </pc:spChg>
         <pc:spChg chg="mod">
-          <ac:chgData name="Marcia Moraes" userId="c9c67e8a-58e2-4733-9a1c-5d44fec4775b" providerId="ADAL" clId="{7A3B5759-C5AE-4F4B-A123-A71CEDFB2A85}" dt="2023-03-03T00:53:31.212" v="444" actId="20577"/>
+          <ac:chgData name="Marcia Moraes" userId="c9c67e8a-58e2-4733-9a1c-5d44fec4775b" providerId="ADAL" clId="{FFA5543F-4D04-47EB-B450-89416CE2F2D2}" dt="2023-09-14T15:43:23.214" v="169" actId="1076"/>
           <ac:spMkLst>
             <pc:docMk/>
             <pc:sldMk cId="1733493820" sldId="261"/>
@@ -180,503 +228,200 @@
           </ac:spMkLst>
         </pc:spChg>
         <pc:spChg chg="mod">
-          <ac:chgData name="Marcia Moraes" userId="c9c67e8a-58e2-4733-9a1c-5d44fec4775b" providerId="ADAL" clId="{7A3B5759-C5AE-4F4B-A123-A71CEDFB2A85}" dt="2023-03-03T00:52:07.275" v="335" actId="1076"/>
-          <ac:spMkLst>
-            <pc:docMk/>
-            <pc:sldMk cId="1733493820" sldId="261"/>
-            <ac:spMk id="4" creationId="{41B9CCD4-5A3F-314B-BB14-C222AC63FA98}"/>
-          </ac:spMkLst>
-        </pc:spChg>
-        <pc:spChg chg="mod">
-          <ac:chgData name="Marcia Moraes" userId="c9c67e8a-58e2-4733-9a1c-5d44fec4775b" providerId="ADAL" clId="{7A3B5759-C5AE-4F4B-A123-A71CEDFB2A85}" dt="2023-03-03T00:54:05.653" v="472" actId="20577"/>
+          <ac:chgData name="Marcia Moraes" userId="c9c67e8a-58e2-4733-9a1c-5d44fec4775b" providerId="ADAL" clId="{FFA5543F-4D04-47EB-B450-89416CE2F2D2}" dt="2023-09-14T15:43:40.234" v="171" actId="1076"/>
           <ac:spMkLst>
             <pc:docMk/>
             <pc:sldMk cId="1733493820" sldId="261"/>
             <ac:spMk id="21" creationId="{85349B9A-CA81-7B4E-8DF2-C45135212713}"/>
           </ac:spMkLst>
         </pc:spChg>
-        <pc:cxnChg chg="del">
-          <ac:chgData name="Marcia Moraes" userId="c9c67e8a-58e2-4733-9a1c-5d44fec4775b" providerId="ADAL" clId="{7A3B5759-C5AE-4F4B-A123-A71CEDFB2A85}" dt="2023-03-03T00:52:11.886" v="336" actId="478"/>
-          <ac:cxnSpMkLst>
-            <pc:docMk/>
-            <pc:sldMk cId="1733493820" sldId="261"/>
-            <ac:cxnSpMk id="6" creationId="{BFF8D30F-F0F6-C14E-AC87-BC669634A856}"/>
-          </ac:cxnSpMkLst>
-        </pc:cxnChg>
-        <pc:cxnChg chg="del">
-          <ac:chgData name="Marcia Moraes" userId="c9c67e8a-58e2-4733-9a1c-5d44fec4775b" providerId="ADAL" clId="{7A3B5759-C5AE-4F4B-A123-A71CEDFB2A85}" dt="2023-03-03T00:52:14.624" v="337" actId="478"/>
-          <ac:cxnSpMkLst>
-            <pc:docMk/>
-            <pc:sldMk cId="1733493820" sldId="261"/>
-            <ac:cxnSpMk id="8" creationId="{12BFA9D4-0656-0B42-90BA-B2D968F2A09C}"/>
-          </ac:cxnSpMkLst>
-        </pc:cxnChg>
       </pc:sldChg>
-      <pc:sldChg chg="addSp delSp modSp">
-        <pc:chgData name="Marcia Moraes" userId="c9c67e8a-58e2-4733-9a1c-5d44fec4775b" providerId="ADAL" clId="{7A3B5759-C5AE-4F4B-A123-A71CEDFB2A85}" dt="2023-03-03T00:37:45.911" v="220" actId="14100"/>
+      <pc:sldChg chg="modSp">
+        <pc:chgData name="Marcia Moraes" userId="c9c67e8a-58e2-4733-9a1c-5d44fec4775b" providerId="ADAL" clId="{FFA5543F-4D04-47EB-B450-89416CE2F2D2}" dt="2023-09-14T15:38:57.619" v="137" actId="1076"/>
         <pc:sldMkLst>
           <pc:docMk/>
-          <pc:sldMk cId="3278837413" sldId="265"/>
+          <pc:sldMk cId="456769797" sldId="262"/>
         </pc:sldMkLst>
-        <pc:spChg chg="add mod">
-          <ac:chgData name="Marcia Moraes" userId="c9c67e8a-58e2-4733-9a1c-5d44fec4775b" providerId="ADAL" clId="{7A3B5759-C5AE-4F4B-A123-A71CEDFB2A85}" dt="2023-03-03T00:34:44.657" v="196" actId="207"/>
+        <pc:spChg chg="mod">
+          <ac:chgData name="Marcia Moraes" userId="c9c67e8a-58e2-4733-9a1c-5d44fec4775b" providerId="ADAL" clId="{FFA5543F-4D04-47EB-B450-89416CE2F2D2}" dt="2023-09-14T15:38:57.619" v="137" actId="1076"/>
           <ac:spMkLst>
             <pc:docMk/>
-            <pc:sldMk cId="3278837413" sldId="265"/>
-            <ac:spMk id="2" creationId="{80E995B1-E4A5-439E-955B-528D98844D7E}"/>
-          </ac:spMkLst>
-        </pc:spChg>
-        <pc:spChg chg="add mod">
-          <ac:chgData name="Marcia Moraes" userId="c9c67e8a-58e2-4733-9a1c-5d44fec4775b" providerId="ADAL" clId="{7A3B5759-C5AE-4F4B-A123-A71CEDFB2A85}" dt="2023-03-03T00:35:37.811" v="205" actId="1076"/>
-          <ac:spMkLst>
-            <pc:docMk/>
-            <pc:sldMk cId="3278837413" sldId="265"/>
-            <ac:spMk id="3" creationId="{2D2F3001-69EF-4FD5-B742-3B05BFB895FE}"/>
+            <pc:sldMk cId="456769797" sldId="262"/>
+            <ac:spMk id="3" creationId="{6C960DAE-B88B-406F-8FDA-8C28CFA755D0}"/>
           </ac:spMkLst>
         </pc:spChg>
         <pc:spChg chg="mod">
-          <ac:chgData name="Marcia Moraes" userId="c9c67e8a-58e2-4733-9a1c-5d44fec4775b" providerId="ADAL" clId="{7A3B5759-C5AE-4F4B-A123-A71CEDFB2A85}" dt="2023-03-03T00:34:39.609" v="194" actId="1076"/>
+          <ac:chgData name="Marcia Moraes" userId="c9c67e8a-58e2-4733-9a1c-5d44fec4775b" providerId="ADAL" clId="{FFA5543F-4D04-47EB-B450-89416CE2F2D2}" dt="2023-09-14T15:38:44.534" v="134" actId="1076"/>
           <ac:spMkLst>
             <pc:docMk/>
-            <pc:sldMk cId="3278837413" sldId="265"/>
+            <pc:sldMk cId="456769797" sldId="262"/>
+            <ac:spMk id="5" creationId="{DDFDC286-5F2E-A744-9400-818045889D9E}"/>
+          </ac:spMkLst>
+        </pc:spChg>
+      </pc:sldChg>
+      <pc:sldChg chg="modSp">
+        <pc:chgData name="Marcia Moraes" userId="c9c67e8a-58e2-4733-9a1c-5d44fec4775b" providerId="ADAL" clId="{FFA5543F-4D04-47EB-B450-89416CE2F2D2}" dt="2023-09-14T15:40:32.061" v="149" actId="255"/>
+        <pc:sldMkLst>
+          <pc:docMk/>
+          <pc:sldMk cId="2153849856" sldId="263"/>
+        </pc:sldMkLst>
+        <pc:spChg chg="mod">
+          <ac:chgData name="Marcia Moraes" userId="c9c67e8a-58e2-4733-9a1c-5d44fec4775b" providerId="ADAL" clId="{FFA5543F-4D04-47EB-B450-89416CE2F2D2}" dt="2023-09-14T15:39:18.686" v="141" actId="1076"/>
+          <ac:spMkLst>
+            <pc:docMk/>
+            <pc:sldMk cId="2153849856" sldId="263"/>
             <ac:spMk id="4" creationId="{7BC75B87-C129-C04D-B73A-32C854FEB28B}"/>
           </ac:spMkLst>
         </pc:spChg>
-        <pc:spChg chg="del mod">
-          <ac:chgData name="Marcia Moraes" userId="c9c67e8a-58e2-4733-9a1c-5d44fec4775b" providerId="ADAL" clId="{7A3B5759-C5AE-4F4B-A123-A71CEDFB2A85}" dt="2023-03-03T00:33:28.656" v="188" actId="478"/>
+        <pc:spChg chg="mod">
+          <ac:chgData name="Marcia Moraes" userId="c9c67e8a-58e2-4733-9a1c-5d44fec4775b" providerId="ADAL" clId="{FFA5543F-4D04-47EB-B450-89416CE2F2D2}" dt="2023-09-14T15:39:14.999" v="139" actId="1076"/>
           <ac:spMkLst>
             <pc:docMk/>
-            <pc:sldMk cId="3278837413" sldId="265"/>
-            <ac:spMk id="8" creationId="{2038164D-06E5-4679-AE09-3FF29AEF1536}"/>
+            <pc:sldMk cId="2153849856" sldId="263"/>
+            <ac:spMk id="5" creationId="{DDFDC286-5F2E-A744-9400-818045889D9E}"/>
           </ac:spMkLst>
         </pc:spChg>
-        <pc:spChg chg="del mod">
-          <ac:chgData name="Marcia Moraes" userId="c9c67e8a-58e2-4733-9a1c-5d44fec4775b" providerId="ADAL" clId="{7A3B5759-C5AE-4F4B-A123-A71CEDFB2A85}" dt="2023-03-03T00:33:31.278" v="189" actId="478"/>
+        <pc:spChg chg="mod">
+          <ac:chgData name="Marcia Moraes" userId="c9c67e8a-58e2-4733-9a1c-5d44fec4775b" providerId="ADAL" clId="{FFA5543F-4D04-47EB-B450-89416CE2F2D2}" dt="2023-09-14T15:39:52.906" v="144" actId="1076"/>
           <ac:spMkLst>
             <pc:docMk/>
-            <pc:sldMk cId="3278837413" sldId="265"/>
-            <ac:spMk id="10" creationId="{0C1E0B48-6E59-4282-9D58-14D87654352C}"/>
+            <pc:sldMk cId="2153849856" sldId="263"/>
+            <ac:spMk id="6" creationId="{E59756DE-2A5E-4103-98F0-389EF50F897B}"/>
           </ac:spMkLst>
         </pc:spChg>
-        <pc:spChg chg="del mod">
-          <ac:chgData name="Marcia Moraes" userId="c9c67e8a-58e2-4733-9a1c-5d44fec4775b" providerId="ADAL" clId="{7A3B5759-C5AE-4F4B-A123-A71CEDFB2A85}" dt="2023-03-03T00:33:32.548" v="190" actId="478"/>
+        <pc:spChg chg="mod">
+          <ac:chgData name="Marcia Moraes" userId="c9c67e8a-58e2-4733-9a1c-5d44fec4775b" providerId="ADAL" clId="{FFA5543F-4D04-47EB-B450-89416CE2F2D2}" dt="2023-09-14T15:40:32.061" v="149" actId="255"/>
           <ac:spMkLst>
             <pc:docMk/>
-            <pc:sldMk cId="3278837413" sldId="265"/>
-            <ac:spMk id="13" creationId="{D3B91AA7-67DB-4FCA-9C0D-9605903F311B}"/>
+            <pc:sldMk cId="2153849856" sldId="263"/>
+            <ac:spMk id="7" creationId="{D1D43643-09D8-4488-BB22-A443216664C6}"/>
           </ac:spMkLst>
         </pc:spChg>
-        <pc:spChg chg="add mod">
-          <ac:chgData name="Marcia Moraes" userId="c9c67e8a-58e2-4733-9a1c-5d44fec4775b" providerId="ADAL" clId="{7A3B5759-C5AE-4F4B-A123-A71CEDFB2A85}" dt="2023-03-03T00:37:15.089" v="217" actId="692"/>
+      </pc:sldChg>
+      <pc:sldChg chg="modSp">
+        <pc:chgData name="Marcia Moraes" userId="c9c67e8a-58e2-4733-9a1c-5d44fec4775b" providerId="ADAL" clId="{FFA5543F-4D04-47EB-B450-89416CE2F2D2}" dt="2023-09-14T15:41:02.387" v="154" actId="255"/>
+        <pc:sldMkLst>
+          <pc:docMk/>
+          <pc:sldMk cId="2016202707" sldId="264"/>
+        </pc:sldMkLst>
+        <pc:spChg chg="mod">
+          <ac:chgData name="Marcia Moraes" userId="c9c67e8a-58e2-4733-9a1c-5d44fec4775b" providerId="ADAL" clId="{FFA5543F-4D04-47EB-B450-89416CE2F2D2}" dt="2023-09-14T15:40:46.534" v="151" actId="1076"/>
           <ac:spMkLst>
             <pc:docMk/>
-            <pc:sldMk cId="3278837413" sldId="265"/>
-            <ac:spMk id="15" creationId="{062B80E9-54DC-4917-91F6-F6B501D00997}"/>
+            <pc:sldMk cId="2016202707" sldId="264"/>
+            <ac:spMk id="5" creationId="{DDFDC286-5F2E-A744-9400-818045889D9E}"/>
           </ac:spMkLst>
         </pc:spChg>
-        <pc:cxnChg chg="add mod">
-          <ac:chgData name="Marcia Moraes" userId="c9c67e8a-58e2-4733-9a1c-5d44fec4775b" providerId="ADAL" clId="{7A3B5759-C5AE-4F4B-A123-A71CEDFB2A85}" dt="2023-03-03T00:37:41.252" v="219" actId="14100"/>
-          <ac:cxnSpMkLst>
+        <pc:spChg chg="mod">
+          <ac:chgData name="Marcia Moraes" userId="c9c67e8a-58e2-4733-9a1c-5d44fec4775b" providerId="ADAL" clId="{FFA5543F-4D04-47EB-B450-89416CE2F2D2}" dt="2023-09-14T15:40:57.209" v="153" actId="1076"/>
+          <ac:spMkLst>
             <pc:docMk/>
-            <pc:sldMk cId="3278837413" sldId="265"/>
-            <ac:cxnSpMk id="6" creationId="{F3A31289-385D-497E-85FF-75FC8BBE95C1}"/>
-          </ac:cxnSpMkLst>
-        </pc:cxnChg>
-        <pc:cxnChg chg="add mod">
-          <ac:chgData name="Marcia Moraes" userId="c9c67e8a-58e2-4733-9a1c-5d44fec4775b" providerId="ADAL" clId="{7A3B5759-C5AE-4F4B-A123-A71CEDFB2A85}" dt="2023-03-03T00:37:38.447" v="218" actId="1076"/>
-          <ac:cxnSpMkLst>
+            <pc:sldMk cId="2016202707" sldId="264"/>
+            <ac:spMk id="8" creationId="{97573F1E-A8C4-477C-98EF-22E5460CBF0E}"/>
+          </ac:spMkLst>
+        </pc:spChg>
+        <pc:spChg chg="mod">
+          <ac:chgData name="Marcia Moraes" userId="c9c67e8a-58e2-4733-9a1c-5d44fec4775b" providerId="ADAL" clId="{FFA5543F-4D04-47EB-B450-89416CE2F2D2}" dt="2023-09-14T15:41:02.387" v="154" actId="255"/>
+          <ac:spMkLst>
             <pc:docMk/>
-            <pc:sldMk cId="3278837413" sldId="265"/>
-            <ac:cxnSpMk id="9" creationId="{08F67558-FAFB-4AD9-84B9-F084E536E759}"/>
-          </ac:cxnSpMkLst>
-        </pc:cxnChg>
-        <pc:cxnChg chg="add mod">
-          <ac:chgData name="Marcia Moraes" userId="c9c67e8a-58e2-4733-9a1c-5d44fec4775b" providerId="ADAL" clId="{7A3B5759-C5AE-4F4B-A123-A71CEDFB2A85}" dt="2023-03-03T00:37:45.911" v="220" actId="14100"/>
-          <ac:cxnSpMkLst>
-            <pc:docMk/>
-            <pc:sldMk cId="3278837413" sldId="265"/>
-            <ac:cxnSpMk id="12" creationId="{F5AFF0B6-106A-4883-BEE9-FB2B26822549}"/>
-          </ac:cxnSpMkLst>
-        </pc:cxnChg>
-        <pc:cxnChg chg="del">
-          <ac:chgData name="Marcia Moraes" userId="c9c67e8a-58e2-4733-9a1c-5d44fec4775b" providerId="ADAL" clId="{7A3B5759-C5AE-4F4B-A123-A71CEDFB2A85}" dt="2023-03-03T00:35:03.642" v="200" actId="478"/>
-          <ac:cxnSpMkLst>
-            <pc:docMk/>
-            <pc:sldMk cId="3278837413" sldId="265"/>
-            <ac:cxnSpMk id="21" creationId="{47351103-ACF6-470E-ACBA-559FCC05AC27}"/>
-          </ac:cxnSpMkLst>
-        </pc:cxnChg>
+            <pc:sldMk cId="2016202707" sldId="264"/>
+            <ac:spMk id="11" creationId="{876AB1C7-B71F-467E-8C2D-24823FD80EE7}"/>
+          </ac:spMkLst>
+        </pc:spChg>
       </pc:sldChg>
       <pc:sldChg chg="modSp">
-        <pc:chgData name="Marcia Moraes" userId="c9c67e8a-58e2-4733-9a1c-5d44fec4775b" providerId="ADAL" clId="{7A3B5759-C5AE-4F4B-A123-A71CEDFB2A85}" dt="2023-03-03T00:13:46.897" v="143" actId="14100"/>
+        <pc:chgData name="Marcia Moraes" userId="c9c67e8a-58e2-4733-9a1c-5d44fec4775b" providerId="ADAL" clId="{FFA5543F-4D04-47EB-B450-89416CE2F2D2}" dt="2023-09-14T15:41:39.974" v="158" actId="1076"/>
+        <pc:sldMkLst>
+          <pc:docMk/>
+          <pc:sldMk cId="2838885280" sldId="266"/>
+        </pc:sldMkLst>
+        <pc:spChg chg="mod">
+          <ac:chgData name="Marcia Moraes" userId="c9c67e8a-58e2-4733-9a1c-5d44fec4775b" providerId="ADAL" clId="{FFA5543F-4D04-47EB-B450-89416CE2F2D2}" dt="2023-09-14T15:41:29.666" v="156" actId="1076"/>
+          <ac:spMkLst>
+            <pc:docMk/>
+            <pc:sldMk cId="2838885280" sldId="266"/>
+            <ac:spMk id="5" creationId="{DDFDC286-5F2E-A744-9400-818045889D9E}"/>
+          </ac:spMkLst>
+        </pc:spChg>
+        <pc:spChg chg="mod">
+          <ac:chgData name="Marcia Moraes" userId="c9c67e8a-58e2-4733-9a1c-5d44fec4775b" providerId="ADAL" clId="{FFA5543F-4D04-47EB-B450-89416CE2F2D2}" dt="2023-09-14T15:41:39.974" v="158" actId="1076"/>
+          <ac:spMkLst>
+            <pc:docMk/>
+            <pc:sldMk cId="2838885280" sldId="266"/>
+            <ac:spMk id="14" creationId="{E766F170-FD35-4D06-AAD6-F58B1719111A}"/>
+          </ac:spMkLst>
+        </pc:spChg>
+      </pc:sldChg>
+      <pc:sldChg chg="modSp">
+        <pc:chgData name="Marcia Moraes" userId="c9c67e8a-58e2-4733-9a1c-5d44fec4775b" providerId="ADAL" clId="{FFA5543F-4D04-47EB-B450-89416CE2F2D2}" dt="2023-09-14T15:42:07.352" v="162" actId="255"/>
         <pc:sldMkLst>
           <pc:docMk/>
           <pc:sldMk cId="1054478833" sldId="267"/>
         </pc:sldMkLst>
         <pc:spChg chg="mod">
-          <ac:chgData name="Marcia Moraes" userId="c9c67e8a-58e2-4733-9a1c-5d44fec4775b" providerId="ADAL" clId="{7A3B5759-C5AE-4F4B-A123-A71CEDFB2A85}" dt="2023-03-03T00:13:46.897" v="143" actId="14100"/>
+          <ac:chgData name="Marcia Moraes" userId="c9c67e8a-58e2-4733-9a1c-5d44fec4775b" providerId="ADAL" clId="{FFA5543F-4D04-47EB-B450-89416CE2F2D2}" dt="2023-09-14T15:42:00.788" v="160" actId="1076"/>
           <ac:spMkLst>
             <pc:docMk/>
             <pc:sldMk cId="1054478833" sldId="267"/>
-            <ac:spMk id="14" creationId="{E766F170-FD35-4D06-AAD6-F58B1719111A}"/>
+            <ac:spMk id="5" creationId="{DDFDC286-5F2E-A744-9400-818045889D9E}"/>
+          </ac:spMkLst>
+        </pc:spChg>
+        <pc:spChg chg="mod">
+          <ac:chgData name="Marcia Moraes" userId="c9c67e8a-58e2-4733-9a1c-5d44fec4775b" providerId="ADAL" clId="{FFA5543F-4D04-47EB-B450-89416CE2F2D2}" dt="2023-09-14T15:42:07.352" v="162" actId="255"/>
+          <ac:spMkLst>
+            <pc:docMk/>
+            <pc:sldMk cId="1054478833" sldId="267"/>
+            <ac:spMk id="8" creationId="{19C255FD-0EE1-499D-919E-CFC825642644}"/>
           </ac:spMkLst>
         </pc:spChg>
       </pc:sldChg>
-      <pc:sldChg chg="addSp delSp modSp delAnim modAnim">
-        <pc:chgData name="Marcia Moraes" userId="c9c67e8a-58e2-4733-9a1c-5d44fec4775b" providerId="ADAL" clId="{7A3B5759-C5AE-4F4B-A123-A71CEDFB2A85}" dt="2023-03-03T00:39:08.256" v="223" actId="1076"/>
-        <pc:sldMkLst>
-          <pc:docMk/>
-          <pc:sldMk cId="2987685337" sldId="268"/>
-        </pc:sldMkLst>
-        <pc:spChg chg="del">
-          <ac:chgData name="Marcia Moraes" userId="c9c67e8a-58e2-4733-9a1c-5d44fec4775b" providerId="ADAL" clId="{7A3B5759-C5AE-4F4B-A123-A71CEDFB2A85}" dt="2023-03-03T00:27:54.513" v="145" actId="478"/>
-          <ac:spMkLst>
-            <pc:docMk/>
-            <pc:sldMk cId="2987685337" sldId="268"/>
-            <ac:spMk id="2" creationId="{9FD9485B-7FAF-4DAB-82A0-92A81D21EC72}"/>
-          </ac:spMkLst>
-        </pc:spChg>
-        <pc:spChg chg="add del">
-          <ac:chgData name="Marcia Moraes" userId="c9c67e8a-58e2-4733-9a1c-5d44fec4775b" providerId="ADAL" clId="{7A3B5759-C5AE-4F4B-A123-A71CEDFB2A85}" dt="2023-03-03T00:27:54.513" v="145" actId="478"/>
-          <ac:spMkLst>
-            <pc:docMk/>
-            <pc:sldMk cId="2987685337" sldId="268"/>
-            <ac:spMk id="3" creationId="{272773E5-65C6-4EEA-8E0F-3397FF1C0933}"/>
-          </ac:spMkLst>
-        </pc:spChg>
-        <pc:spChg chg="add mod">
-          <ac:chgData name="Marcia Moraes" userId="c9c67e8a-58e2-4733-9a1c-5d44fec4775b" providerId="ADAL" clId="{7A3B5759-C5AE-4F4B-A123-A71CEDFB2A85}" dt="2023-03-03T00:29:53.836" v="161" actId="1076"/>
-          <ac:spMkLst>
-            <pc:docMk/>
-            <pc:sldMk cId="2987685337" sldId="268"/>
-            <ac:spMk id="5" creationId="{3A13146B-EAB7-45D5-BAFE-63322B153876}"/>
-          </ac:spMkLst>
-        </pc:spChg>
-        <pc:spChg chg="mod">
-          <ac:chgData name="Marcia Moraes" userId="c9c67e8a-58e2-4733-9a1c-5d44fec4775b" providerId="ADAL" clId="{7A3B5759-C5AE-4F4B-A123-A71CEDFB2A85}" dt="2023-03-03T00:30:43.251" v="172" actId="1076"/>
-          <ac:spMkLst>
-            <pc:docMk/>
-            <pc:sldMk cId="2987685337" sldId="268"/>
-            <ac:spMk id="11" creationId="{73061F2D-4641-4B99-B402-54A48802DA96}"/>
-          </ac:spMkLst>
-        </pc:spChg>
-        <pc:spChg chg="del">
-          <ac:chgData name="Marcia Moraes" userId="c9c67e8a-58e2-4733-9a1c-5d44fec4775b" providerId="ADAL" clId="{7A3B5759-C5AE-4F4B-A123-A71CEDFB2A85}" dt="2023-03-03T00:29:45.979" v="159" actId="478"/>
-          <ac:spMkLst>
-            <pc:docMk/>
-            <pc:sldMk cId="2987685337" sldId="268"/>
-            <ac:spMk id="14" creationId="{6D0A828E-0793-467D-99D4-8656DD340A20}"/>
-          </ac:spMkLst>
-        </pc:spChg>
-        <pc:spChg chg="mod">
-          <ac:chgData name="Marcia Moraes" userId="c9c67e8a-58e2-4733-9a1c-5d44fec4775b" providerId="ADAL" clId="{7A3B5759-C5AE-4F4B-A123-A71CEDFB2A85}" dt="2023-03-03T00:30:50.382" v="174" actId="1076"/>
-          <ac:spMkLst>
-            <pc:docMk/>
-            <pc:sldMk cId="2987685337" sldId="268"/>
-            <ac:spMk id="17" creationId="{5CE8154D-7941-4A14-A4A6-9E7C246FC7D5}"/>
-          </ac:spMkLst>
-        </pc:spChg>
-        <pc:spChg chg="mod">
-          <ac:chgData name="Marcia Moraes" userId="c9c67e8a-58e2-4733-9a1c-5d44fec4775b" providerId="ADAL" clId="{7A3B5759-C5AE-4F4B-A123-A71CEDFB2A85}" dt="2023-03-03T00:39:08.256" v="223" actId="1076"/>
-          <ac:spMkLst>
-            <pc:docMk/>
-            <pc:sldMk cId="2987685337" sldId="268"/>
-            <ac:spMk id="20" creationId="{3B3CE95F-5CE1-4F99-9C21-CA3DE80D968D}"/>
-          </ac:spMkLst>
-        </pc:spChg>
-        <pc:spChg chg="del">
-          <ac:chgData name="Marcia Moraes" userId="c9c67e8a-58e2-4733-9a1c-5d44fec4775b" providerId="ADAL" clId="{7A3B5759-C5AE-4F4B-A123-A71CEDFB2A85}" dt="2023-03-03T00:29:47.475" v="160" actId="478"/>
-          <ac:spMkLst>
-            <pc:docMk/>
-            <pc:sldMk cId="2987685337" sldId="268"/>
-            <ac:spMk id="22" creationId="{C0EA3703-A2E6-4BF7-9A3A-FD5CE6CA1B85}"/>
-          </ac:spMkLst>
-        </pc:spChg>
-        <pc:spChg chg="mod">
-          <ac:chgData name="Marcia Moraes" userId="c9c67e8a-58e2-4733-9a1c-5d44fec4775b" providerId="ADAL" clId="{7A3B5759-C5AE-4F4B-A123-A71CEDFB2A85}" dt="2023-03-03T00:30:06.934" v="164" actId="1076"/>
-          <ac:spMkLst>
-            <pc:docMk/>
-            <pc:sldMk cId="2987685337" sldId="268"/>
-            <ac:spMk id="24" creationId="{DE4B8564-F237-4656-A055-A35251971140}"/>
-          </ac:spMkLst>
-        </pc:spChg>
-        <pc:spChg chg="mod">
-          <ac:chgData name="Marcia Moraes" userId="c9c67e8a-58e2-4733-9a1c-5d44fec4775b" providerId="ADAL" clId="{7A3B5759-C5AE-4F4B-A123-A71CEDFB2A85}" dt="2023-03-03T00:29:19.621" v="157" actId="1076"/>
-          <ac:spMkLst>
-            <pc:docMk/>
-            <pc:sldMk cId="2987685337" sldId="268"/>
-            <ac:spMk id="26" creationId="{888486BA-00E1-4366-B779-38ABFB2C220B}"/>
-          </ac:spMkLst>
-        </pc:spChg>
-        <pc:spChg chg="mod">
-          <ac:chgData name="Marcia Moraes" userId="c9c67e8a-58e2-4733-9a1c-5d44fec4775b" providerId="ADAL" clId="{7A3B5759-C5AE-4F4B-A123-A71CEDFB2A85}" dt="2023-03-03T00:29:09.157" v="155" actId="1076"/>
-          <ac:spMkLst>
-            <pc:docMk/>
-            <pc:sldMk cId="2987685337" sldId="268"/>
-            <ac:spMk id="29" creationId="{86322917-946B-4B2C-BC16-E26573BE8755}"/>
-          </ac:spMkLst>
-        </pc:spChg>
-        <pc:spChg chg="mod">
-          <ac:chgData name="Marcia Moraes" userId="c9c67e8a-58e2-4733-9a1c-5d44fec4775b" providerId="ADAL" clId="{7A3B5759-C5AE-4F4B-A123-A71CEDFB2A85}" dt="2023-03-03T00:28:54.469" v="151" actId="1076"/>
-          <ac:spMkLst>
-            <pc:docMk/>
-            <pc:sldMk cId="2987685337" sldId="268"/>
-            <ac:spMk id="32" creationId="{E58043DF-F986-4617-8FFE-9F414D420B96}"/>
-          </ac:spMkLst>
-        </pc:spChg>
-        <pc:spChg chg="mod">
-          <ac:chgData name="Marcia Moraes" userId="c9c67e8a-58e2-4733-9a1c-5d44fec4775b" providerId="ADAL" clId="{7A3B5759-C5AE-4F4B-A123-A71CEDFB2A85}" dt="2023-03-03T00:28:59.859" v="153" actId="1076"/>
-          <ac:spMkLst>
-            <pc:docMk/>
-            <pc:sldMk cId="2987685337" sldId="268"/>
-            <ac:spMk id="34" creationId="{FEC46234-0FB6-45DC-8547-AC3AB392EBD2}"/>
-          </ac:spMkLst>
-        </pc:spChg>
-        <pc:cxnChg chg="del mod">
-          <ac:chgData name="Marcia Moraes" userId="c9c67e8a-58e2-4733-9a1c-5d44fec4775b" providerId="ADAL" clId="{7A3B5759-C5AE-4F4B-A123-A71CEDFB2A85}" dt="2023-03-03T00:30:59.763" v="177" actId="478"/>
-          <ac:cxnSpMkLst>
-            <pc:docMk/>
-            <pc:sldMk cId="2987685337" sldId="268"/>
-            <ac:cxnSpMk id="9" creationId="{8597DF98-D3C3-471A-B086-2649C7727899}"/>
-          </ac:cxnSpMkLst>
-        </pc:cxnChg>
-        <pc:cxnChg chg="mod">
-          <ac:chgData name="Marcia Moraes" userId="c9c67e8a-58e2-4733-9a1c-5d44fec4775b" providerId="ADAL" clId="{7A3B5759-C5AE-4F4B-A123-A71CEDFB2A85}" dt="2023-03-03T00:30:48.418" v="173" actId="1076"/>
-          <ac:cxnSpMkLst>
-            <pc:docMk/>
-            <pc:sldMk cId="2987685337" sldId="268"/>
-            <ac:cxnSpMk id="16" creationId="{6C82880F-498C-4ED3-BC9B-4BDA5D32D646}"/>
-          </ac:cxnSpMkLst>
-        </pc:cxnChg>
-        <pc:cxnChg chg="mod">
-          <ac:chgData name="Marcia Moraes" userId="c9c67e8a-58e2-4733-9a1c-5d44fec4775b" providerId="ADAL" clId="{7A3B5759-C5AE-4F4B-A123-A71CEDFB2A85}" dt="2023-03-03T00:39:05.125" v="222" actId="1076"/>
-          <ac:cxnSpMkLst>
-            <pc:docMk/>
-            <pc:sldMk cId="2987685337" sldId="268"/>
-            <ac:cxnSpMk id="19" creationId="{1F4FCCA6-B43E-4348-A332-ECEC3FE2CAAD}"/>
-          </ac:cxnSpMkLst>
-        </pc:cxnChg>
-        <pc:cxnChg chg="mod">
-          <ac:chgData name="Marcia Moraes" userId="c9c67e8a-58e2-4733-9a1c-5d44fec4775b" providerId="ADAL" clId="{7A3B5759-C5AE-4F4B-A123-A71CEDFB2A85}" dt="2023-03-03T00:30:04.978" v="163" actId="1076"/>
-          <ac:cxnSpMkLst>
-            <pc:docMk/>
-            <pc:sldMk cId="2987685337" sldId="268"/>
-            <ac:cxnSpMk id="23" creationId="{C2AAE84F-C448-44D1-8174-E8B6D576E7AE}"/>
-          </ac:cxnSpMkLst>
-        </pc:cxnChg>
-        <pc:cxnChg chg="mod">
-          <ac:chgData name="Marcia Moraes" userId="c9c67e8a-58e2-4733-9a1c-5d44fec4775b" providerId="ADAL" clId="{7A3B5759-C5AE-4F4B-A123-A71CEDFB2A85}" dt="2023-03-03T00:29:16.636" v="156" actId="1076"/>
-          <ac:cxnSpMkLst>
-            <pc:docMk/>
-            <pc:sldMk cId="2987685337" sldId="268"/>
-            <ac:cxnSpMk id="25" creationId="{4E51DE82-A8AA-4951-9762-5825745563C2}"/>
-          </ac:cxnSpMkLst>
-        </pc:cxnChg>
-        <pc:cxnChg chg="mod">
-          <ac:chgData name="Marcia Moraes" userId="c9c67e8a-58e2-4733-9a1c-5d44fec4775b" providerId="ADAL" clId="{7A3B5759-C5AE-4F4B-A123-A71CEDFB2A85}" dt="2023-03-03T00:29:05.775" v="154" actId="1076"/>
-          <ac:cxnSpMkLst>
-            <pc:docMk/>
-            <pc:sldMk cId="2987685337" sldId="268"/>
-            <ac:cxnSpMk id="28" creationId="{5F96355C-3DCC-4F1E-B31C-2E76804EC608}"/>
-          </ac:cxnSpMkLst>
-        </pc:cxnChg>
-        <pc:cxnChg chg="add mod">
-          <ac:chgData name="Marcia Moraes" userId="c9c67e8a-58e2-4733-9a1c-5d44fec4775b" providerId="ADAL" clId="{7A3B5759-C5AE-4F4B-A123-A71CEDFB2A85}" dt="2023-03-03T00:31:07.542" v="179" actId="1076"/>
-          <ac:cxnSpMkLst>
-            <pc:docMk/>
-            <pc:sldMk cId="2987685337" sldId="268"/>
-            <ac:cxnSpMk id="30" creationId="{03589CA4-6262-452B-B8B2-8F45CC276C30}"/>
-          </ac:cxnSpMkLst>
-        </pc:cxnChg>
-        <pc:cxnChg chg="mod">
-          <ac:chgData name="Marcia Moraes" userId="c9c67e8a-58e2-4733-9a1c-5d44fec4775b" providerId="ADAL" clId="{7A3B5759-C5AE-4F4B-A123-A71CEDFB2A85}" dt="2023-03-03T00:28:49.717" v="150" actId="1076"/>
-          <ac:cxnSpMkLst>
-            <pc:docMk/>
-            <pc:sldMk cId="2987685337" sldId="268"/>
-            <ac:cxnSpMk id="31" creationId="{70208C26-80E6-4857-A0FB-9F2A651665CD}"/>
-          </ac:cxnSpMkLst>
-        </pc:cxnChg>
-        <pc:cxnChg chg="mod">
-          <ac:chgData name="Marcia Moraes" userId="c9c67e8a-58e2-4733-9a1c-5d44fec4775b" providerId="ADAL" clId="{7A3B5759-C5AE-4F4B-A123-A71CEDFB2A85}" dt="2023-03-03T00:28:57.081" v="152" actId="1076"/>
-          <ac:cxnSpMkLst>
-            <pc:docMk/>
-            <pc:sldMk cId="2987685337" sldId="268"/>
-            <ac:cxnSpMk id="33" creationId="{1F961336-4BE3-436A-BF8D-6D38553D77D1}"/>
-          </ac:cxnSpMkLst>
-        </pc:cxnChg>
-      </pc:sldChg>
-      <pc:sldChg chg="addSp delSp modSp">
-        <pc:chgData name="Marcia Moraes" userId="c9c67e8a-58e2-4733-9a1c-5d44fec4775b" providerId="ADAL" clId="{7A3B5759-C5AE-4F4B-A123-A71CEDFB2A85}" dt="2023-03-03T00:47:06.063" v="257" actId="1076"/>
-        <pc:sldMkLst>
-          <pc:docMk/>
-          <pc:sldMk cId="317993581" sldId="269"/>
-        </pc:sldMkLst>
-        <pc:spChg chg="add mod">
-          <ac:chgData name="Marcia Moraes" userId="c9c67e8a-58e2-4733-9a1c-5d44fec4775b" providerId="ADAL" clId="{7A3B5759-C5AE-4F4B-A123-A71CEDFB2A85}" dt="2023-03-03T00:46:30.338" v="245" actId="14100"/>
-          <ac:spMkLst>
-            <pc:docMk/>
-            <pc:sldMk cId="317993581" sldId="269"/>
-            <ac:spMk id="2" creationId="{23566818-4EB4-457E-ACB9-C32A397E1D67}"/>
-          </ac:spMkLst>
-        </pc:spChg>
-        <pc:spChg chg="add mod">
-          <ac:chgData name="Marcia Moraes" userId="c9c67e8a-58e2-4733-9a1c-5d44fec4775b" providerId="ADAL" clId="{7A3B5759-C5AE-4F4B-A123-A71CEDFB2A85}" dt="2023-03-03T00:46:26.305" v="244" actId="1076"/>
-          <ac:spMkLst>
-            <pc:docMk/>
-            <pc:sldMk cId="317993581" sldId="269"/>
-            <ac:spMk id="3" creationId="{78F16A16-6E4C-408D-A436-74AA4094B417}"/>
-          </ac:spMkLst>
-        </pc:spChg>
-        <pc:spChg chg="mod">
-          <ac:chgData name="Marcia Moraes" userId="c9c67e8a-58e2-4733-9a1c-5d44fec4775b" providerId="ADAL" clId="{7A3B5759-C5AE-4F4B-A123-A71CEDFB2A85}" dt="2023-03-03T00:47:06.063" v="257" actId="1076"/>
-          <ac:spMkLst>
-            <pc:docMk/>
-            <pc:sldMk cId="317993581" sldId="269"/>
-            <ac:spMk id="4" creationId="{7BC75B87-C129-C04D-B73A-32C854FEB28B}"/>
-          </ac:spMkLst>
-        </pc:spChg>
-        <pc:spChg chg="del">
-          <ac:chgData name="Marcia Moraes" userId="c9c67e8a-58e2-4733-9a1c-5d44fec4775b" providerId="ADAL" clId="{7A3B5759-C5AE-4F4B-A123-A71CEDFB2A85}" dt="2023-03-03T00:44:34.666" v="224" actId="478"/>
-          <ac:spMkLst>
-            <pc:docMk/>
-            <pc:sldMk cId="317993581" sldId="269"/>
-            <ac:spMk id="5" creationId="{B09A4166-CBC0-4555-A2C1-733BAFD44FE9}"/>
-          </ac:spMkLst>
-        </pc:spChg>
-        <pc:spChg chg="del">
-          <ac:chgData name="Marcia Moraes" userId="c9c67e8a-58e2-4733-9a1c-5d44fec4775b" providerId="ADAL" clId="{7A3B5759-C5AE-4F4B-A123-A71CEDFB2A85}" dt="2023-03-03T00:44:36.048" v="225" actId="478"/>
-          <ac:spMkLst>
-            <pc:docMk/>
-            <pc:sldMk cId="317993581" sldId="269"/>
-            <ac:spMk id="6" creationId="{9A517D46-0203-4E98-BB6C-619453E8B40B}"/>
-          </ac:spMkLst>
-        </pc:spChg>
-        <pc:cxnChg chg="add mod">
-          <ac:chgData name="Marcia Moraes" userId="c9c67e8a-58e2-4733-9a1c-5d44fec4775b" providerId="ADAL" clId="{7A3B5759-C5AE-4F4B-A123-A71CEDFB2A85}" dt="2023-03-03T00:46:59.454" v="256" actId="1035"/>
-          <ac:cxnSpMkLst>
-            <pc:docMk/>
-            <pc:sldMk cId="317993581" sldId="269"/>
-            <ac:cxnSpMk id="8" creationId="{B8180606-D88D-40BB-9421-D7D317BC5387}"/>
-          </ac:cxnSpMkLst>
-        </pc:cxnChg>
-        <pc:cxnChg chg="add del mod">
-          <ac:chgData name="Marcia Moraes" userId="c9c67e8a-58e2-4733-9a1c-5d44fec4775b" providerId="ADAL" clId="{7A3B5759-C5AE-4F4B-A123-A71CEDFB2A85}" dt="2023-03-03T00:46:34.183" v="247" actId="478"/>
-          <ac:cxnSpMkLst>
-            <pc:docMk/>
-            <pc:sldMk cId="317993581" sldId="269"/>
-            <ac:cxnSpMk id="10" creationId="{C7C0A5DC-D7AA-4190-9375-5F589A990B7A}"/>
-          </ac:cxnSpMkLst>
-        </pc:cxnChg>
-        <pc:cxnChg chg="add del mod">
-          <ac:chgData name="Marcia Moraes" userId="c9c67e8a-58e2-4733-9a1c-5d44fec4775b" providerId="ADAL" clId="{7A3B5759-C5AE-4F4B-A123-A71CEDFB2A85}" dt="2023-03-03T00:46:32.873" v="246" actId="478"/>
-          <ac:cxnSpMkLst>
-            <pc:docMk/>
-            <pc:sldMk cId="317993581" sldId="269"/>
-            <ac:cxnSpMk id="12" creationId="{529D4BC6-07EB-42F3-B0C2-3497AE651293}"/>
-          </ac:cxnSpMkLst>
-        </pc:cxnChg>
-        <pc:cxnChg chg="add mod">
-          <ac:chgData name="Marcia Moraes" userId="c9c67e8a-58e2-4733-9a1c-5d44fec4775b" providerId="ADAL" clId="{7A3B5759-C5AE-4F4B-A123-A71CEDFB2A85}" dt="2023-03-03T00:46:59.454" v="256" actId="1035"/>
-          <ac:cxnSpMkLst>
-            <pc:docMk/>
-            <pc:sldMk cId="317993581" sldId="269"/>
-            <ac:cxnSpMk id="14" creationId="{AAC48463-ABC4-4846-9E22-1FDC6C69DA4C}"/>
-          </ac:cxnSpMkLst>
-        </pc:cxnChg>
-        <pc:cxnChg chg="add mod">
-          <ac:chgData name="Marcia Moraes" userId="c9c67e8a-58e2-4733-9a1c-5d44fec4775b" providerId="ADAL" clId="{7A3B5759-C5AE-4F4B-A123-A71CEDFB2A85}" dt="2023-03-03T00:46:59.454" v="256" actId="1035"/>
-          <ac:cxnSpMkLst>
-            <pc:docMk/>
-            <pc:sldMk cId="317993581" sldId="269"/>
-            <ac:cxnSpMk id="16" creationId="{F0BA7891-42EC-445E-A103-11867793067C}"/>
-          </ac:cxnSpMkLst>
-        </pc:cxnChg>
-      </pc:sldChg>
-      <pc:sldChg chg="del">
-        <pc:chgData name="Marcia Moraes" userId="c9c67e8a-58e2-4733-9a1c-5d44fec4775b" providerId="ADAL" clId="{7A3B5759-C5AE-4F4B-A123-A71CEDFB2A85}" dt="2023-03-03T00:07:28.318" v="130" actId="2696"/>
-        <pc:sldMkLst>
-          <pc:docMk/>
-          <pc:sldMk cId="926474781" sldId="271"/>
-        </pc:sldMkLst>
-      </pc:sldChg>
-      <pc:sldChg chg="addSp delSp modSp">
-        <pc:chgData name="Marcia Moraes" userId="c9c67e8a-58e2-4733-9a1c-5d44fec4775b" providerId="ADAL" clId="{7A3B5759-C5AE-4F4B-A123-A71CEDFB2A85}" dt="2023-03-03T00:06:49.937" v="129" actId="20577"/>
+      <pc:sldChg chg="addSp modSp">
+        <pc:chgData name="Marcia Moraes" userId="c9c67e8a-58e2-4733-9a1c-5d44fec4775b" providerId="ADAL" clId="{FFA5543F-4D04-47EB-B450-89416CE2F2D2}" dt="2023-09-14T15:38:14.432" v="132" actId="1076"/>
         <pc:sldMkLst>
           <pc:docMk/>
           <pc:sldMk cId="2571368551" sldId="272"/>
         </pc:sldMkLst>
         <pc:spChg chg="mod">
-          <ac:chgData name="Marcia Moraes" userId="c9c67e8a-58e2-4733-9a1c-5d44fec4775b" providerId="ADAL" clId="{7A3B5759-C5AE-4F4B-A123-A71CEDFB2A85}" dt="2023-03-03T00:06:13.248" v="28" actId="1076"/>
+          <ac:chgData name="Marcia Moraes" userId="c9c67e8a-58e2-4733-9a1c-5d44fec4775b" providerId="ADAL" clId="{FFA5543F-4D04-47EB-B450-89416CE2F2D2}" dt="2023-09-14T15:37:52.435" v="129" actId="1076"/>
           <ac:spMkLst>
             <pc:docMk/>
             <pc:sldMk cId="2571368551" sldId="272"/>
-            <ac:spMk id="2" creationId="{84CD52E7-9878-46B0-B322-12FDC9581986}"/>
+            <ac:spMk id="4" creationId="{119AD8F2-D5DB-A84B-A5B3-F7935E3E6D1D}"/>
           </ac:spMkLst>
         </pc:spChg>
         <pc:spChg chg="mod">
-          <ac:chgData name="Marcia Moraes" userId="c9c67e8a-58e2-4733-9a1c-5d44fec4775b" providerId="ADAL" clId="{7A3B5759-C5AE-4F4B-A123-A71CEDFB2A85}" dt="2023-03-03T00:06:16.987" v="29" actId="1076"/>
+          <ac:chgData name="Marcia Moraes" userId="c9c67e8a-58e2-4733-9a1c-5d44fec4775b" providerId="ADAL" clId="{FFA5543F-4D04-47EB-B450-89416CE2F2D2}" dt="2023-09-14T15:36:56.854" v="0" actId="1076"/>
           <ac:spMkLst>
             <pc:docMk/>
             <pc:sldMk cId="2571368551" sldId="272"/>
             <ac:spMk id="6" creationId="{A2494937-C0C7-4ABC-A6FF-48F67C26DCCE}"/>
           </ac:spMkLst>
         </pc:spChg>
+        <pc:spChg chg="add">
+          <ac:chgData name="Marcia Moraes" userId="c9c67e8a-58e2-4733-9a1c-5d44fec4775b" providerId="ADAL" clId="{FFA5543F-4D04-47EB-B450-89416CE2F2D2}" dt="2023-09-14T15:37:41.153" v="127"/>
+          <ac:spMkLst>
+            <pc:docMk/>
+            <pc:sldMk cId="2571368551" sldId="272"/>
+            <ac:spMk id="8" creationId="{D76BB3E1-5623-474B-A458-C2159FA9FFB5}"/>
+          </ac:spMkLst>
+        </pc:spChg>
         <pc:spChg chg="mod">
-          <ac:chgData name="Marcia Moraes" userId="c9c67e8a-58e2-4733-9a1c-5d44fec4775b" providerId="ADAL" clId="{7A3B5759-C5AE-4F4B-A123-A71CEDFB2A85}" dt="2023-03-03T00:06:49.937" v="129" actId="20577"/>
+          <ac:chgData name="Marcia Moraes" userId="c9c67e8a-58e2-4733-9a1c-5d44fec4775b" providerId="ADAL" clId="{FFA5543F-4D04-47EB-B450-89416CE2F2D2}" dt="2023-09-14T15:38:14.432" v="132" actId="1076"/>
           <ac:spMkLst>
             <pc:docMk/>
             <pc:sldMk cId="2571368551" sldId="272"/>
             <ac:spMk id="11" creationId="{BDA0DBC1-29A7-4498-B9AA-9B174D0FEC3E}"/>
           </ac:spMkLst>
         </pc:spChg>
-        <pc:picChg chg="add del mod">
-          <ac:chgData name="Marcia Moraes" userId="c9c67e8a-58e2-4733-9a1c-5d44fec4775b" providerId="ADAL" clId="{7A3B5759-C5AE-4F4B-A123-A71CEDFB2A85}" dt="2023-03-02T23:57:10.764" v="6" actId="478"/>
-          <ac:picMkLst>
+        <pc:graphicFrameChg chg="add">
+          <ac:chgData name="Marcia Moraes" userId="c9c67e8a-58e2-4733-9a1c-5d44fec4775b" providerId="ADAL" clId="{FFA5543F-4D04-47EB-B450-89416CE2F2D2}" dt="2023-09-14T15:37:41.153" v="127"/>
+          <ac:graphicFrameMkLst>
             <pc:docMk/>
             <pc:sldMk cId="2571368551" sldId="272"/>
-            <ac:picMk id="1026" creationId="{7694C382-AE79-4E58-A008-869C622B214A}"/>
-          </ac:picMkLst>
-        </pc:picChg>
-        <pc:picChg chg="add del mod">
-          <ac:chgData name="Marcia Moraes" userId="c9c67e8a-58e2-4733-9a1c-5d44fec4775b" providerId="ADAL" clId="{7A3B5759-C5AE-4F4B-A123-A71CEDFB2A85}" dt="2023-03-03T00:05:21.732" v="20" actId="478"/>
-          <ac:picMkLst>
-            <pc:docMk/>
-            <pc:sldMk cId="2571368551" sldId="272"/>
-            <ac:picMk id="1028" creationId="{EA6E6239-6B7B-47C2-A317-B4A5D7DBA200}"/>
-          </ac:picMkLst>
-        </pc:picChg>
-        <pc:picChg chg="add mod">
-          <ac:chgData name="Marcia Moraes" userId="c9c67e8a-58e2-4733-9a1c-5d44fec4775b" providerId="ADAL" clId="{7A3B5759-C5AE-4F4B-A123-A71CEDFB2A85}" dt="2023-03-03T00:05:42.599" v="26" actId="1076"/>
-          <ac:picMkLst>
-            <pc:docMk/>
-            <pc:sldMk cId="2571368551" sldId="272"/>
-            <ac:picMk id="1030" creationId="{09C80CDA-F041-4168-BFBD-3B06B25C395B}"/>
-          </ac:picMkLst>
-        </pc:picChg>
-        <pc:picChg chg="del">
-          <ac:chgData name="Marcia Moraes" userId="c9c67e8a-58e2-4733-9a1c-5d44fec4775b" providerId="ADAL" clId="{7A3B5759-C5AE-4F4B-A123-A71CEDFB2A85}" dt="2023-03-02T23:56:14.314" v="0" actId="478"/>
-          <ac:picMkLst>
-            <pc:docMk/>
-            <pc:sldMk cId="2571368551" sldId="272"/>
-            <ac:picMk id="1032" creationId="{CD0FB3D2-8CE8-47AE-9F67-FDC2C997430F}"/>
-          </ac:picMkLst>
-        </pc:picChg>
+            <ac:graphicFrameMk id="7" creationId="{D8CB7BA7-C9D5-4931-818B-9924E5A5A5B3}"/>
+          </ac:graphicFrameMkLst>
+        </pc:graphicFrameChg>
       </pc:sldChg>
-      <pc:sldMasterChg chg="delSldLayout">
-        <pc:chgData name="Marcia Moraes" userId="c9c67e8a-58e2-4733-9a1c-5d44fec4775b" providerId="ADAL" clId="{7A3B5759-C5AE-4F4B-A123-A71CEDFB2A85}" dt="2023-03-03T00:07:28.319" v="131" actId="2696"/>
-        <pc:sldMasterMkLst>
-          <pc:docMk/>
-          <pc:sldMasterMk cId="3965733437" sldId="2147483648"/>
-        </pc:sldMasterMkLst>
-        <pc:sldLayoutChg chg="del">
-          <pc:chgData name="Marcia Moraes" userId="c9c67e8a-58e2-4733-9a1c-5d44fec4775b" providerId="ADAL" clId="{7A3B5759-C5AE-4F4B-A123-A71CEDFB2A85}" dt="2023-03-03T00:07:28.319" v="131" actId="2696"/>
-          <pc:sldLayoutMkLst>
-            <pc:docMk/>
-            <pc:sldMasterMk cId="3965733437" sldId="2147483648"/>
-            <pc:sldLayoutMk cId="1924757740" sldId="2147483693"/>
-          </pc:sldLayoutMkLst>
-        </pc:sldLayoutChg>
-      </pc:sldMasterChg>
     </pc:docChg>
   </pc:docChgLst>
 </pc:chgInfo>
@@ -764,7 +509,7 @@
           <a:p>
             <a:fld id="{4D7E51A5-B478-1E40-8CBB-0DAA8831E99D}" type="datetimeFigureOut">
               <a:rPr lang="en-US" smtClean="0"/>
-              <a:t>3/2/2023</a:t>
+              <a:t>9/14/2023</a:t>
             </a:fld>
             <a:endParaRPr lang="en-US"/>
           </a:p>
@@ -929,7 +674,7 @@
           <a:p>
             <a:fld id="{D0ED587F-861E-6740-9643-E3DDAE89B8D6}" type="datetimeFigureOut">
               <a:rPr lang="en-US" smtClean="0"/>
-              <a:t>3/2/2023</a:t>
+              <a:t>9/14/2023</a:t>
             </a:fld>
             <a:endParaRPr lang="en-US"/>
           </a:p>
@@ -16523,7 +16268,7 @@
         <p:spPr>
           <a:xfrm>
             <a:off x="628075" y="1776683"/>
-            <a:ext cx="12561453" cy="3578480"/>
+            <a:ext cx="12561453" cy="4161460"/>
           </a:xfrm>
         </p:spPr>
         <p:txBody>
@@ -16531,74 +16276,74 @@
           <a:lstStyle/>
           <a:p>
             <a:r>
-              <a:rPr lang="en-US" dirty="0"/>
+              <a:rPr lang="en-US" sz="2000" dirty="0"/>
               <a:t>Inheritance</a:t>
             </a:r>
           </a:p>
           <a:p>
             <a:pPr lvl="1"/>
             <a:r>
-              <a:rPr lang="en-US" dirty="0"/>
+              <a:rPr lang="en-US" sz="2000" dirty="0"/>
               <a:t>Heart of OOP!</a:t>
             </a:r>
           </a:p>
           <a:p>
             <a:pPr lvl="1"/>
             <a:r>
-              <a:rPr lang="en-US" dirty="0"/>
+              <a:rPr lang="en-US" sz="2000" dirty="0"/>
               <a:t>Essential to large programs</a:t>
             </a:r>
           </a:p>
           <a:p>
             <a:pPr lvl="1"/>
             <a:r>
-              <a:rPr lang="en-US" dirty="0"/>
+              <a:rPr lang="en-US" sz="2000" dirty="0"/>
               <a:t>DRY </a:t>
             </a:r>
           </a:p>
           <a:p>
             <a:r>
-              <a:rPr lang="en-US" dirty="0"/>
+              <a:rPr lang="en-US" sz="2000" dirty="0"/>
               <a:t>A class can </a:t>
             </a:r>
             <a:r>
-              <a:rPr lang="en-US" b="1" dirty="0"/>
+              <a:rPr lang="en-US" sz="2000" b="1" dirty="0"/>
               <a:t>extend</a:t>
             </a:r>
             <a:r>
-              <a:rPr lang="en-US" dirty="0"/>
+              <a:rPr lang="en-US" sz="2000" dirty="0"/>
               <a:t> another class</a:t>
             </a:r>
           </a:p>
           <a:p>
             <a:pPr lvl="1"/>
             <a:r>
-              <a:rPr lang="en-US" dirty="0"/>
+              <a:rPr lang="en-US" sz="2000" dirty="0"/>
               <a:t>By extending:</a:t>
             </a:r>
           </a:p>
           <a:p>
             <a:pPr lvl="2"/>
             <a:r>
-              <a:rPr lang="en-US" b="1" dirty="0"/>
+              <a:rPr lang="en-US" sz="2000" b="1" dirty="0"/>
               <a:t>inherit </a:t>
             </a:r>
             <a:r>
-              <a:rPr lang="en-US" dirty="0"/>
+              <a:rPr lang="en-US" sz="2000" dirty="0"/>
               <a:t>methods and properties!</a:t>
             </a:r>
           </a:p>
           <a:p>
             <a:pPr lvl="1"/>
             <a:r>
-              <a:rPr lang="en-US" b="1" dirty="0"/>
+              <a:rPr lang="en-US" sz="2000" b="1" dirty="0"/>
               <a:t>override</a:t>
             </a:r>
           </a:p>
           <a:p>
             <a:pPr lvl="2"/>
             <a:r>
-              <a:rPr lang="en-US" dirty="0"/>
+              <a:rPr lang="en-US" sz="2000" dirty="0"/>
               <a:t>allows you to change methods for children</a:t>
             </a:r>
           </a:p>
@@ -19589,7 +19334,7 @@
         <p:spPr>
           <a:xfrm>
             <a:off x="628075" y="1776682"/>
-            <a:ext cx="7753925" cy="4323235"/>
+            <a:ext cx="7753925" cy="5423344"/>
           </a:xfrm>
         </p:spPr>
         <p:txBody>
@@ -19597,108 +19342,108 @@
           <a:lstStyle/>
           <a:p>
             <a:r>
-              <a:rPr lang="en-US" b="1" dirty="0"/>
+              <a:rPr lang="en-US" sz="2000" b="1" dirty="0"/>
               <a:t>All</a:t>
             </a:r>
             <a:r>
-              <a:rPr lang="en-US" dirty="0"/>
+              <a:rPr lang="en-US" sz="2000" dirty="0"/>
               <a:t> classes in java extend Object</a:t>
             </a:r>
           </a:p>
           <a:p>
             <a:r>
-              <a:rPr lang="en-US" b="1" dirty="0"/>
+              <a:rPr lang="en-US" sz="2000" b="1" dirty="0"/>
               <a:t>Object </a:t>
             </a:r>
             <a:r>
-              <a:rPr lang="en-US" dirty="0"/>
+              <a:rPr lang="en-US" sz="2000" dirty="0"/>
               <a:t>is a type / class </a:t>
             </a:r>
           </a:p>
           <a:p>
             <a:pPr lvl="1"/>
             <a:r>
-              <a:rPr lang="en-US" dirty="0"/>
+              <a:rPr lang="en-US" sz="2000" dirty="0"/>
               <a:t>Includes common methods</a:t>
             </a:r>
           </a:p>
           <a:p>
             <a:pPr lvl="1"/>
             <a:r>
-              <a:rPr lang="en-US" dirty="0" err="1"/>
+              <a:rPr lang="en-US" sz="2000" dirty="0" err="1"/>
               <a:t>toString</a:t>
             </a:r>
             <a:r>
-              <a:rPr lang="en-US" dirty="0"/>
+              <a:rPr lang="en-US" sz="2000" dirty="0"/>
               <a:t>()  </a:t>
             </a:r>
           </a:p>
           <a:p>
             <a:pPr lvl="2"/>
             <a:r>
-              <a:rPr lang="en-US" dirty="0"/>
+              <a:rPr lang="en-US" sz="2000" dirty="0"/>
               <a:t>returns String of the object</a:t>
             </a:r>
           </a:p>
           <a:p>
             <a:pPr lvl="2"/>
             <a:r>
-              <a:rPr lang="en-US" dirty="0"/>
+              <a:rPr lang="en-US" sz="2000" dirty="0"/>
               <a:t>by default memory location (not useful) – should override!</a:t>
             </a:r>
           </a:p>
           <a:p>
             <a:pPr lvl="2"/>
             <a:r>
-              <a:rPr lang="en-US" dirty="0" err="1"/>
+              <a:rPr lang="en-US" sz="2000" dirty="0" err="1"/>
               <a:t>System.out.println</a:t>
             </a:r>
             <a:r>
-              <a:rPr lang="en-US" dirty="0"/>
+              <a:rPr lang="en-US" sz="2000" dirty="0"/>
               <a:t>() – calls </a:t>
             </a:r>
             <a:r>
-              <a:rPr lang="en-US" dirty="0" err="1"/>
+              <a:rPr lang="en-US" sz="2000" dirty="0" err="1"/>
               <a:t>toString</a:t>
             </a:r>
             <a:r>
-              <a:rPr lang="en-US" dirty="0"/>
+              <a:rPr lang="en-US" sz="2000" dirty="0"/>
               <a:t>()</a:t>
             </a:r>
           </a:p>
           <a:p>
             <a:pPr lvl="2"/>
             <a:r>
-              <a:rPr lang="en-US" dirty="0"/>
+              <a:rPr lang="en-US" sz="2000" dirty="0"/>
               <a:t>String concatenation calls </a:t>
             </a:r>
             <a:r>
-              <a:rPr lang="en-US" dirty="0" err="1"/>
+              <a:rPr lang="en-US" sz="2000" dirty="0" err="1"/>
               <a:t>toString</a:t>
             </a:r>
             <a:r>
-              <a:rPr lang="en-US" dirty="0"/>
+              <a:rPr lang="en-US" sz="2000" dirty="0"/>
               <a:t>()</a:t>
             </a:r>
           </a:p>
           <a:p>
             <a:pPr lvl="1"/>
             <a:r>
-              <a:rPr lang="en-US" dirty="0"/>
+              <a:rPr lang="en-US" sz="2000" dirty="0"/>
               <a:t>equals(Object)</a:t>
             </a:r>
           </a:p>
           <a:p>
             <a:pPr lvl="2"/>
             <a:r>
-              <a:rPr lang="en-US" dirty="0"/>
+              <a:rPr lang="en-US" sz="2000" dirty="0"/>
               <a:t>compares memory locations</a:t>
             </a:r>
           </a:p>
           <a:p>
             <a:pPr lvl="2"/>
             <a:r>
-              <a:rPr lang="en-US" dirty="0"/>
+              <a:rPr lang="en-US" sz="2000" dirty="0"/>
               <a:t>should usually override</a:t>
             </a:r>
           </a:p>
@@ -19830,7 +19575,7 @@
         <p:spPr>
           <a:xfrm>
             <a:off x="628075" y="1776683"/>
-            <a:ext cx="6560125" cy="3874817"/>
+            <a:ext cx="6560125" cy="4684680"/>
           </a:xfrm>
         </p:spPr>
         <p:txBody>
@@ -19838,60 +19583,60 @@
           <a:lstStyle/>
           <a:p>
             <a:r>
-              <a:rPr lang="en-US" dirty="0"/>
+              <a:rPr lang="en-US" sz="2000" dirty="0"/>
               <a:t>public </a:t>
             </a:r>
           </a:p>
           <a:p>
             <a:pPr lvl="1"/>
             <a:r>
-              <a:rPr lang="en-US" dirty="0"/>
+              <a:rPr lang="en-US" sz="2000" dirty="0"/>
               <a:t>Everyone has access</a:t>
             </a:r>
           </a:p>
           <a:p>
             <a:r>
-              <a:rPr lang="en-US" dirty="0"/>
+              <a:rPr lang="en-US" sz="2000" dirty="0"/>
               <a:t>private</a:t>
             </a:r>
           </a:p>
           <a:p>
             <a:pPr lvl="1"/>
             <a:r>
-              <a:rPr lang="en-US" dirty="0"/>
+              <a:rPr lang="en-US" sz="2000" dirty="0"/>
               <a:t>Only the class has access</a:t>
             </a:r>
           </a:p>
           <a:p>
             <a:pPr lvl="1"/>
             <a:r>
-              <a:rPr lang="en-US" dirty="0"/>
+              <a:rPr lang="en-US" sz="2000" dirty="0"/>
               <a:t>This means child classes – can’t access private!</a:t>
             </a:r>
           </a:p>
           <a:p>
             <a:r>
-              <a:rPr lang="en-US" dirty="0"/>
+              <a:rPr lang="en-US" sz="2000" dirty="0"/>
               <a:t>protected</a:t>
             </a:r>
           </a:p>
           <a:p>
             <a:pPr lvl="1"/>
             <a:r>
-              <a:rPr lang="en-US" dirty="0"/>
+              <a:rPr lang="en-US" sz="2000" dirty="0"/>
               <a:t>child class has access only</a:t>
             </a:r>
           </a:p>
           <a:p>
             <a:r>
-              <a:rPr lang="en-US" dirty="0"/>
+              <a:rPr lang="en-US" sz="2000" dirty="0"/>
               <a:t>&lt;blank/omitted&gt;</a:t>
             </a:r>
           </a:p>
           <a:p>
             <a:pPr lvl="1"/>
             <a:r>
-              <a:rPr lang="en-US" dirty="0"/>
+              <a:rPr lang="en-US" sz="2000" dirty="0"/>
               <a:t>package and children have access</a:t>
             </a:r>
           </a:p>
@@ -20873,7 +20618,7 @@
         </p:nvSpPr>
         <p:spPr>
           <a:xfrm>
-            <a:off x="628073" y="263002"/>
+            <a:off x="628075" y="22013"/>
             <a:ext cx="12561453" cy="1015663"/>
           </a:xfrm>
         </p:spPr>
@@ -20906,8 +20651,8 @@
         </p:nvSpPr>
         <p:spPr>
           <a:xfrm>
-            <a:off x="628075" y="1335769"/>
-            <a:ext cx="12427525" cy="1940275"/>
+            <a:off x="628073" y="1005527"/>
+            <a:ext cx="12427525" cy="2453300"/>
           </a:xfrm>
         </p:spPr>
         <p:txBody>
@@ -20915,25 +20660,25 @@
           <a:lstStyle/>
           <a:p>
             <a:r>
-              <a:rPr lang="en-US" dirty="0"/>
+              <a:rPr lang="en-US" sz="2000" dirty="0"/>
               <a:t>Substitution principle states that you can always use a subclass object when a superclass object is expected.</a:t>
             </a:r>
           </a:p>
           <a:p>
             <a:r>
-              <a:rPr lang="en-US" dirty="0"/>
+              <a:rPr lang="en-US" sz="2000" dirty="0"/>
               <a:t>Children may appear to be their parents!</a:t>
             </a:r>
           </a:p>
           <a:p>
             <a:r>
-              <a:rPr lang="en-US" dirty="0"/>
+              <a:rPr lang="en-US" sz="2000" dirty="0"/>
               <a:t>Define a data structure of the parent type and you can store parent and children types!</a:t>
             </a:r>
           </a:p>
           <a:p>
             <a:r>
-              <a:rPr lang="en-US" dirty="0"/>
+              <a:rPr lang="en-US" sz="2000" dirty="0"/>
               <a:t>Calls correct class!</a:t>
             </a:r>
           </a:p>
@@ -21422,8 +21167,8 @@
         </p:nvSpPr>
         <p:spPr>
           <a:xfrm>
-            <a:off x="8178803" y="3663338"/>
-            <a:ext cx="5010725" cy="2498184"/>
+            <a:off x="8178802" y="3458827"/>
+            <a:ext cx="5010725" cy="2822632"/>
           </a:xfrm>
           <a:prstGeom prst="rect">
             <a:avLst/>
@@ -21596,46 +21341,41 @@
           </a:lstStyle>
           <a:p>
             <a:r>
-              <a:rPr lang="en-US" dirty="0"/>
+              <a:rPr lang="en-US" sz="2000" dirty="0"/>
               <a:t>Pretty cool</a:t>
             </a:r>
           </a:p>
           <a:p>
             <a:r>
-              <a:rPr lang="en-US" dirty="0"/>
-              <a:t>Will learn </a:t>
-            </a:r>
-            <a:r>
-              <a:rPr lang="en-US"/>
-              <a:t>more after Exam 2</a:t>
-            </a:r>
-            <a:endParaRPr lang="en-US" dirty="0"/>
-          </a:p>
-          <a:p>
-            <a:r>
-              <a:rPr lang="en-US" b="1" dirty="0"/>
+              <a:rPr lang="en-US" sz="2000" dirty="0"/>
+              <a:t>Will learn more after Exam 2</a:t>
+            </a:r>
+          </a:p>
+          <a:p>
+            <a:r>
+              <a:rPr lang="en-US" sz="2000" b="1" dirty="0"/>
               <a:t>Take away: </a:t>
             </a:r>
           </a:p>
           <a:p>
             <a:pPr lvl="1"/>
             <a:r>
-              <a:rPr lang="en-US" dirty="0"/>
+              <a:rPr lang="en-US" sz="2000" dirty="0"/>
               <a:t>inheritance is DRY</a:t>
             </a:r>
           </a:p>
           <a:p>
             <a:pPr lvl="1"/>
             <a:r>
-              <a:rPr lang="en-US" dirty="0"/>
+              <a:rPr lang="en-US" sz="2000" dirty="0"/>
               <a:t>inheritance lets </a:t>
             </a:r>
             <a:r>
-              <a:rPr lang="en-US" b="1" dirty="0"/>
+              <a:rPr lang="en-US" sz="2000" b="1" dirty="0"/>
               <a:t>children</a:t>
             </a:r>
             <a:r>
-              <a:rPr lang="en-US" dirty="0"/>
+              <a:rPr lang="en-US" sz="2000" dirty="0"/>
               <a:t> use methods from parent</a:t>
             </a:r>
           </a:p>
@@ -21931,7 +21671,7 @@
         </p:nvSpPr>
         <p:spPr>
           <a:xfrm>
-            <a:off x="628076" y="607804"/>
+            <a:off x="510861" y="171136"/>
             <a:ext cx="5642096" cy="916848"/>
           </a:xfrm>
         </p:spPr>
@@ -21960,8 +21700,8 @@
         </p:nvSpPr>
         <p:spPr>
           <a:xfrm>
-            <a:off x="628075" y="1681593"/>
-            <a:ext cx="10518896" cy="5693866"/>
+            <a:off x="230197" y="1239322"/>
+            <a:ext cx="9746001" cy="5693866"/>
           </a:xfrm>
           <a:prstGeom prst="rect">
             <a:avLst/>
@@ -22249,7 +21989,7 @@
                 <a:cs typeface="Arial"/>
                 <a:sym typeface="Arial"/>
               </a:rPr>
-              <a:t>Lab 09</a:t>
+              <a:t>Lab 09 – go to your lab to have your participation points</a:t>
             </a:r>
           </a:p>
           <a:p>
@@ -22360,7 +22100,7 @@
                 <a:cs typeface="Arial"/>
                 <a:sym typeface="Arial"/>
               </a:rPr>
-              <a:t>Lab 10</a:t>
+              <a:t>Lab 10 – go to your lab to have your participation points</a:t>
             </a:r>
           </a:p>
           <a:p>
@@ -22677,7 +22417,7 @@
         </p:nvSpPr>
         <p:spPr>
           <a:xfrm>
-            <a:off x="10886816" y="3966581"/>
+            <a:off x="7664644" y="96732"/>
             <a:ext cx="2623491" cy="1938992"/>
           </a:xfrm>
           <a:prstGeom prst="rect">
@@ -22974,6 +22714,1033 @@
           </a:extLst>
         </p:spPr>
       </p:pic>
+      <p:graphicFrame>
+        <p:nvGraphicFramePr>
+          <p:cNvPr id="7" name="Table 6">
+            <a:extLst>
+              <a:ext uri="{FF2B5EF4-FFF2-40B4-BE49-F238E27FC236}">
+                <a16:creationId xmlns:a16="http://schemas.microsoft.com/office/drawing/2014/main" id="{D8CB7BA7-C9D5-4931-818B-9924E5A5A5B3}"/>
+              </a:ext>
+            </a:extLst>
+          </p:cNvPr>
+          <p:cNvGraphicFramePr>
+            <a:graphicFrameLocks noGrp="1"/>
+          </p:cNvGraphicFramePr>
+          <p:nvPr>
+            <p:extLst>
+              <p:ext uri="{D42A27DB-BD31-4B8C-83A1-F6EECF244321}">
+                <p14:modId xmlns:p14="http://schemas.microsoft.com/office/powerpoint/2010/main" val="3495294103"/>
+              </p:ext>
+            </p:extLst>
+          </p:nvPr>
+        </p:nvGraphicFramePr>
+        <p:xfrm>
+          <a:off x="10025176" y="4145454"/>
+          <a:ext cx="3671207" cy="3097098"/>
+        </p:xfrm>
+        <a:graphic>
+          <a:graphicData uri="http://schemas.openxmlformats.org/drawingml/2006/table">
+            <a:tbl>
+              <a:tblPr/>
+              <a:tblGrid>
+                <a:gridCol w="1197995">
+                  <a:extLst>
+                    <a:ext uri="{9D8B030D-6E8A-4147-A177-3AD203B41FA5}">
+                      <a16:colId xmlns:a16="http://schemas.microsoft.com/office/drawing/2014/main" val="3463123554"/>
+                    </a:ext>
+                  </a:extLst>
+                </a:gridCol>
+                <a:gridCol w="2473212">
+                  <a:extLst>
+                    <a:ext uri="{9D8B030D-6E8A-4147-A177-3AD203B41FA5}">
+                      <a16:colId xmlns:a16="http://schemas.microsoft.com/office/drawing/2014/main" val="378576746"/>
+                    </a:ext>
+                  </a:extLst>
+                </a:gridCol>
+              </a:tblGrid>
+              <a:tr h="289830">
+                <a:tc>
+                  <a:txBody>
+                    <a:bodyPr/>
+                    <a:lstStyle/>
+                    <a:p>
+                      <a:pPr algn="l"/>
+                      <a:r>
+                        <a:rPr lang="en-US" sz="1700">
+                          <a:solidFill>
+                            <a:srgbClr val="000000"/>
+                          </a:solidFill>
+                          <a:effectLst/>
+                        </a:rPr>
+                        <a:t>Day</a:t>
+                      </a:r>
+                    </a:p>
+                  </a:txBody>
+                  <a:tcPr marL="15681" marR="15681" marT="15681" marB="15681" anchor="ctr">
+                    <a:lnL w="6350" cap="flat" cmpd="sng" algn="ctr">
+                      <a:solidFill>
+                        <a:srgbClr val="E0E0E0"/>
+                      </a:solidFill>
+                      <a:prstDash val="solid"/>
+                      <a:round/>
+                      <a:headEnd type="none" w="med" len="med"/>
+                      <a:tailEnd type="none" w="med" len="med"/>
+                    </a:lnL>
+                    <a:lnR w="6350" cap="flat" cmpd="sng" algn="ctr">
+                      <a:solidFill>
+                        <a:srgbClr val="E0E0E0"/>
+                      </a:solidFill>
+                      <a:prstDash val="solid"/>
+                      <a:round/>
+                      <a:headEnd type="none" w="med" len="med"/>
+                      <a:tailEnd type="none" w="med" len="med"/>
+                    </a:lnR>
+                    <a:lnT w="6350" cap="flat" cmpd="sng" algn="ctr">
+                      <a:solidFill>
+                        <a:srgbClr val="E0E0E0"/>
+                      </a:solidFill>
+                      <a:prstDash val="solid"/>
+                      <a:round/>
+                      <a:headEnd type="none" w="med" len="med"/>
+                      <a:tailEnd type="none" w="med" len="med"/>
+                    </a:lnT>
+                    <a:lnB w="6350" cap="flat" cmpd="sng" algn="ctr">
+                      <a:solidFill>
+                        <a:srgbClr val="E0E0E0"/>
+                      </a:solidFill>
+                      <a:prstDash val="solid"/>
+                      <a:round/>
+                      <a:headEnd type="none" w="med" len="med"/>
+                      <a:tailEnd type="none" w="med" len="med"/>
+                    </a:lnB>
+                    <a:solidFill>
+                      <a:srgbClr val="F7F7F7"/>
+                    </a:solidFill>
+                  </a:tcPr>
+                </a:tc>
+                <a:tc>
+                  <a:txBody>
+                    <a:bodyPr/>
+                    <a:lstStyle/>
+                    <a:p>
+                      <a:pPr algn="l"/>
+                      <a:r>
+                        <a:rPr lang="en-US" sz="1700" dirty="0">
+                          <a:solidFill>
+                            <a:srgbClr val="000000"/>
+                          </a:solidFill>
+                          <a:effectLst/>
+                        </a:rPr>
+                        <a:t>Time : Room</a:t>
+                      </a:r>
+                    </a:p>
+                  </a:txBody>
+                  <a:tcPr marL="15681" marR="15681" marT="15681" marB="15681" anchor="ctr">
+                    <a:lnL w="6350" cap="flat" cmpd="sng" algn="ctr">
+                      <a:solidFill>
+                        <a:srgbClr val="E0E0E0"/>
+                      </a:solidFill>
+                      <a:prstDash val="solid"/>
+                      <a:round/>
+                      <a:headEnd type="none" w="med" len="med"/>
+                      <a:tailEnd type="none" w="med" len="med"/>
+                    </a:lnL>
+                    <a:lnR w="6350" cap="flat" cmpd="sng" algn="ctr">
+                      <a:solidFill>
+                        <a:srgbClr val="E0E0E0"/>
+                      </a:solidFill>
+                      <a:prstDash val="solid"/>
+                      <a:round/>
+                      <a:headEnd type="none" w="med" len="med"/>
+                      <a:tailEnd type="none" w="med" len="med"/>
+                    </a:lnR>
+                    <a:lnT w="6350" cap="flat" cmpd="sng" algn="ctr">
+                      <a:solidFill>
+                        <a:srgbClr val="E0E0E0"/>
+                      </a:solidFill>
+                      <a:prstDash val="solid"/>
+                      <a:round/>
+                      <a:headEnd type="none" w="med" len="med"/>
+                      <a:tailEnd type="none" w="med" len="med"/>
+                    </a:lnT>
+                    <a:lnB w="6350" cap="flat" cmpd="sng" algn="ctr">
+                      <a:solidFill>
+                        <a:srgbClr val="E0E0E0"/>
+                      </a:solidFill>
+                      <a:prstDash val="solid"/>
+                      <a:round/>
+                      <a:headEnd type="none" w="med" len="med"/>
+                      <a:tailEnd type="none" w="med" len="med"/>
+                    </a:lnB>
+                    <a:solidFill>
+                      <a:srgbClr val="F7F7F7"/>
+                    </a:solidFill>
+                  </a:tcPr>
+                </a:tc>
+                <a:extLst>
+                  <a:ext uri="{0D108BD9-81ED-4DB2-BD59-A6C34878D82A}">
+                    <a16:rowId xmlns:a16="http://schemas.microsoft.com/office/drawing/2014/main" val="3967578678"/>
+                  </a:ext>
+                </a:extLst>
+              </a:tr>
+              <a:tr h="548296">
+                <a:tc>
+                  <a:txBody>
+                    <a:bodyPr/>
+                    <a:lstStyle/>
+                    <a:p>
+                      <a:r>
+                        <a:rPr lang="en-US" sz="1700">
+                          <a:effectLst/>
+                        </a:rPr>
+                        <a:t>Monday</a:t>
+                      </a:r>
+                    </a:p>
+                  </a:txBody>
+                  <a:tcPr marL="15681" marR="15681" marT="15681" marB="15681" anchor="ctr">
+                    <a:lnL w="6350" cap="flat" cmpd="sng" algn="ctr">
+                      <a:solidFill>
+                        <a:srgbClr val="E0E0E0"/>
+                      </a:solidFill>
+                      <a:prstDash val="solid"/>
+                      <a:round/>
+                      <a:headEnd type="none" w="med" len="med"/>
+                      <a:tailEnd type="none" w="med" len="med"/>
+                    </a:lnL>
+                    <a:lnR w="6350" cap="flat" cmpd="sng" algn="ctr">
+                      <a:solidFill>
+                        <a:srgbClr val="E0E0E0"/>
+                      </a:solidFill>
+                      <a:prstDash val="solid"/>
+                      <a:round/>
+                      <a:headEnd type="none" w="med" len="med"/>
+                      <a:tailEnd type="none" w="med" len="med"/>
+                    </a:lnR>
+                    <a:lnT w="6350" cap="flat" cmpd="sng" algn="ctr">
+                      <a:solidFill>
+                        <a:srgbClr val="E0E0E0"/>
+                      </a:solidFill>
+                      <a:prstDash val="solid"/>
+                      <a:round/>
+                      <a:headEnd type="none" w="med" len="med"/>
+                      <a:tailEnd type="none" w="med" len="med"/>
+                    </a:lnT>
+                    <a:lnB w="6350" cap="flat" cmpd="sng" algn="ctr">
+                      <a:solidFill>
+                        <a:srgbClr val="E0E0E0"/>
+                      </a:solidFill>
+                      <a:prstDash val="solid"/>
+                      <a:round/>
+                      <a:headEnd type="none" w="med" len="med"/>
+                      <a:tailEnd type="none" w="med" len="med"/>
+                    </a:lnB>
+                    <a:solidFill>
+                      <a:srgbClr val="FFFFFF"/>
+                    </a:solidFill>
+                  </a:tcPr>
+                </a:tc>
+                <a:tc>
+                  <a:txBody>
+                    <a:bodyPr/>
+                    <a:lstStyle/>
+                    <a:p>
+                      <a:r>
+                        <a:rPr lang="en-US" sz="1700">
+                          <a:effectLst/>
+                        </a:rPr>
+                        <a:t>12 PM - 2 PM : CSB 120</a:t>
+                      </a:r>
+                    </a:p>
+                  </a:txBody>
+                  <a:tcPr marL="15681" marR="15681" marT="15681" marB="15681" anchor="ctr">
+                    <a:lnL w="6350" cap="flat" cmpd="sng" algn="ctr">
+                      <a:solidFill>
+                        <a:srgbClr val="E0E0E0"/>
+                      </a:solidFill>
+                      <a:prstDash val="solid"/>
+                      <a:round/>
+                      <a:headEnd type="none" w="med" len="med"/>
+                      <a:tailEnd type="none" w="med" len="med"/>
+                    </a:lnL>
+                    <a:lnR w="6350" cap="flat" cmpd="sng" algn="ctr">
+                      <a:solidFill>
+                        <a:srgbClr val="E0E0E0"/>
+                      </a:solidFill>
+                      <a:prstDash val="solid"/>
+                      <a:round/>
+                      <a:headEnd type="none" w="med" len="med"/>
+                      <a:tailEnd type="none" w="med" len="med"/>
+                    </a:lnR>
+                    <a:lnT w="6350" cap="flat" cmpd="sng" algn="ctr">
+                      <a:solidFill>
+                        <a:srgbClr val="E0E0E0"/>
+                      </a:solidFill>
+                      <a:prstDash val="solid"/>
+                      <a:round/>
+                      <a:headEnd type="none" w="med" len="med"/>
+                      <a:tailEnd type="none" w="med" len="med"/>
+                    </a:lnT>
+                    <a:lnB w="6350" cap="flat" cmpd="sng" algn="ctr">
+                      <a:solidFill>
+                        <a:srgbClr val="E0E0E0"/>
+                      </a:solidFill>
+                      <a:prstDash val="solid"/>
+                      <a:round/>
+                      <a:headEnd type="none" w="med" len="med"/>
+                      <a:tailEnd type="none" w="med" len="med"/>
+                    </a:lnB>
+                    <a:solidFill>
+                      <a:srgbClr val="FFFFFF"/>
+                    </a:solidFill>
+                  </a:tcPr>
+                </a:tc>
+                <a:extLst>
+                  <a:ext uri="{0D108BD9-81ED-4DB2-BD59-A6C34878D82A}">
+                    <a16:rowId xmlns:a16="http://schemas.microsoft.com/office/drawing/2014/main" val="4272848274"/>
+                  </a:ext>
+                </a:extLst>
+              </a:tr>
+              <a:tr h="289830">
+                <a:tc>
+                  <a:txBody>
+                    <a:bodyPr/>
+                    <a:lstStyle/>
+                    <a:p>
+                      <a:r>
+                        <a:rPr lang="en-US" sz="1700">
+                          <a:effectLst/>
+                        </a:rPr>
+                        <a:t>Tuesday</a:t>
+                      </a:r>
+                    </a:p>
+                  </a:txBody>
+                  <a:tcPr marL="15681" marR="15681" marT="15681" marB="15681" anchor="ctr">
+                    <a:lnL w="6350" cap="flat" cmpd="sng" algn="ctr">
+                      <a:solidFill>
+                        <a:srgbClr val="E0E0E0"/>
+                      </a:solidFill>
+                      <a:prstDash val="solid"/>
+                      <a:round/>
+                      <a:headEnd type="none" w="med" len="med"/>
+                      <a:tailEnd type="none" w="med" len="med"/>
+                    </a:lnL>
+                    <a:lnR w="6350" cap="flat" cmpd="sng" algn="ctr">
+                      <a:solidFill>
+                        <a:srgbClr val="E0E0E0"/>
+                      </a:solidFill>
+                      <a:prstDash val="solid"/>
+                      <a:round/>
+                      <a:headEnd type="none" w="med" len="med"/>
+                      <a:tailEnd type="none" w="med" len="med"/>
+                    </a:lnR>
+                    <a:lnT w="6350" cap="flat" cmpd="sng" algn="ctr">
+                      <a:solidFill>
+                        <a:srgbClr val="E0E0E0"/>
+                      </a:solidFill>
+                      <a:prstDash val="solid"/>
+                      <a:round/>
+                      <a:headEnd type="none" w="med" len="med"/>
+                      <a:tailEnd type="none" w="med" len="med"/>
+                    </a:lnT>
+                    <a:lnB w="6350" cap="flat" cmpd="sng" algn="ctr">
+                      <a:solidFill>
+                        <a:srgbClr val="E0E0E0"/>
+                      </a:solidFill>
+                      <a:prstDash val="solid"/>
+                      <a:round/>
+                      <a:headEnd type="none" w="med" len="med"/>
+                      <a:tailEnd type="none" w="med" len="med"/>
+                    </a:lnB>
+                    <a:solidFill>
+                      <a:srgbClr val="FFFFFF"/>
+                    </a:solidFill>
+                  </a:tcPr>
+                </a:tc>
+                <a:tc>
+                  <a:txBody>
+                    <a:bodyPr/>
+                    <a:lstStyle/>
+                    <a:p>
+                      <a:r>
+                        <a:rPr lang="en-US" sz="1700">
+                          <a:effectLst/>
+                        </a:rPr>
+                        <a:t>6 PM - 8 PM : Teams</a:t>
+                      </a:r>
+                    </a:p>
+                  </a:txBody>
+                  <a:tcPr marL="15681" marR="15681" marT="15681" marB="15681" anchor="ctr">
+                    <a:lnL w="6350" cap="flat" cmpd="sng" algn="ctr">
+                      <a:solidFill>
+                        <a:srgbClr val="E0E0E0"/>
+                      </a:solidFill>
+                      <a:prstDash val="solid"/>
+                      <a:round/>
+                      <a:headEnd type="none" w="med" len="med"/>
+                      <a:tailEnd type="none" w="med" len="med"/>
+                    </a:lnL>
+                    <a:lnR w="6350" cap="flat" cmpd="sng" algn="ctr">
+                      <a:solidFill>
+                        <a:srgbClr val="E0E0E0"/>
+                      </a:solidFill>
+                      <a:prstDash val="solid"/>
+                      <a:round/>
+                      <a:headEnd type="none" w="med" len="med"/>
+                      <a:tailEnd type="none" w="med" len="med"/>
+                    </a:lnR>
+                    <a:lnT w="6350" cap="flat" cmpd="sng" algn="ctr">
+                      <a:solidFill>
+                        <a:srgbClr val="E0E0E0"/>
+                      </a:solidFill>
+                      <a:prstDash val="solid"/>
+                      <a:round/>
+                      <a:headEnd type="none" w="med" len="med"/>
+                      <a:tailEnd type="none" w="med" len="med"/>
+                    </a:lnT>
+                    <a:lnB w="6350" cap="flat" cmpd="sng" algn="ctr">
+                      <a:solidFill>
+                        <a:srgbClr val="E0E0E0"/>
+                      </a:solidFill>
+                      <a:prstDash val="solid"/>
+                      <a:round/>
+                      <a:headEnd type="none" w="med" len="med"/>
+                      <a:tailEnd type="none" w="med" len="med"/>
+                    </a:lnB>
+                    <a:solidFill>
+                      <a:srgbClr val="FFFFFF"/>
+                    </a:solidFill>
+                  </a:tcPr>
+                </a:tc>
+                <a:extLst>
+                  <a:ext uri="{0D108BD9-81ED-4DB2-BD59-A6C34878D82A}">
+                    <a16:rowId xmlns:a16="http://schemas.microsoft.com/office/drawing/2014/main" val="369786881"/>
+                  </a:ext>
+                </a:extLst>
+              </a:tr>
+              <a:tr h="548296">
+                <a:tc>
+                  <a:txBody>
+                    <a:bodyPr/>
+                    <a:lstStyle/>
+                    <a:p>
+                      <a:r>
+                        <a:rPr lang="en-US" sz="1700">
+                          <a:effectLst/>
+                        </a:rPr>
+                        <a:t>Wednesday</a:t>
+                      </a:r>
+                    </a:p>
+                  </a:txBody>
+                  <a:tcPr marL="15681" marR="15681" marT="15681" marB="15681" anchor="ctr">
+                    <a:lnL w="6350" cap="flat" cmpd="sng" algn="ctr">
+                      <a:solidFill>
+                        <a:srgbClr val="E0E0E0"/>
+                      </a:solidFill>
+                      <a:prstDash val="solid"/>
+                      <a:round/>
+                      <a:headEnd type="none" w="med" len="med"/>
+                      <a:tailEnd type="none" w="med" len="med"/>
+                    </a:lnL>
+                    <a:lnR w="6350" cap="flat" cmpd="sng" algn="ctr">
+                      <a:solidFill>
+                        <a:srgbClr val="E0E0E0"/>
+                      </a:solidFill>
+                      <a:prstDash val="solid"/>
+                      <a:round/>
+                      <a:headEnd type="none" w="med" len="med"/>
+                      <a:tailEnd type="none" w="med" len="med"/>
+                    </a:lnR>
+                    <a:lnT w="6350" cap="flat" cmpd="sng" algn="ctr">
+                      <a:solidFill>
+                        <a:srgbClr val="E0E0E0"/>
+                      </a:solidFill>
+                      <a:prstDash val="solid"/>
+                      <a:round/>
+                      <a:headEnd type="none" w="med" len="med"/>
+                      <a:tailEnd type="none" w="med" len="med"/>
+                    </a:lnT>
+                    <a:lnB w="6350" cap="flat" cmpd="sng" algn="ctr">
+                      <a:solidFill>
+                        <a:srgbClr val="E0E0E0"/>
+                      </a:solidFill>
+                      <a:prstDash val="solid"/>
+                      <a:round/>
+                      <a:headEnd type="none" w="med" len="med"/>
+                      <a:tailEnd type="none" w="med" len="med"/>
+                    </a:lnB>
+                    <a:solidFill>
+                      <a:srgbClr val="FFFFFF"/>
+                    </a:solidFill>
+                  </a:tcPr>
+                </a:tc>
+                <a:tc>
+                  <a:txBody>
+                    <a:bodyPr/>
+                    <a:lstStyle/>
+                    <a:p>
+                      <a:r>
+                        <a:rPr lang="en-US" sz="1700">
+                          <a:effectLst/>
+                        </a:rPr>
+                        <a:t>3 PM - 5 PM : CSB 120</a:t>
+                      </a:r>
+                    </a:p>
+                  </a:txBody>
+                  <a:tcPr marL="15681" marR="15681" marT="15681" marB="15681" anchor="ctr">
+                    <a:lnL w="6350" cap="flat" cmpd="sng" algn="ctr">
+                      <a:solidFill>
+                        <a:srgbClr val="E0E0E0"/>
+                      </a:solidFill>
+                      <a:prstDash val="solid"/>
+                      <a:round/>
+                      <a:headEnd type="none" w="med" len="med"/>
+                      <a:tailEnd type="none" w="med" len="med"/>
+                    </a:lnL>
+                    <a:lnR w="6350" cap="flat" cmpd="sng" algn="ctr">
+                      <a:solidFill>
+                        <a:srgbClr val="E0E0E0"/>
+                      </a:solidFill>
+                      <a:prstDash val="solid"/>
+                      <a:round/>
+                      <a:headEnd type="none" w="med" len="med"/>
+                      <a:tailEnd type="none" w="med" len="med"/>
+                    </a:lnR>
+                    <a:lnT w="6350" cap="flat" cmpd="sng" algn="ctr">
+                      <a:solidFill>
+                        <a:srgbClr val="E0E0E0"/>
+                      </a:solidFill>
+                      <a:prstDash val="solid"/>
+                      <a:round/>
+                      <a:headEnd type="none" w="med" len="med"/>
+                      <a:tailEnd type="none" w="med" len="med"/>
+                    </a:lnT>
+                    <a:lnB w="6350" cap="flat" cmpd="sng" algn="ctr">
+                      <a:solidFill>
+                        <a:srgbClr val="E0E0E0"/>
+                      </a:solidFill>
+                      <a:prstDash val="solid"/>
+                      <a:round/>
+                      <a:headEnd type="none" w="med" len="med"/>
+                      <a:tailEnd type="none" w="med" len="med"/>
+                    </a:lnB>
+                    <a:solidFill>
+                      <a:srgbClr val="FFFFFF"/>
+                    </a:solidFill>
+                  </a:tcPr>
+                </a:tc>
+                <a:extLst>
+                  <a:ext uri="{0D108BD9-81ED-4DB2-BD59-A6C34878D82A}">
+                    <a16:rowId xmlns:a16="http://schemas.microsoft.com/office/drawing/2014/main" val="252902362"/>
+                  </a:ext>
+                </a:extLst>
+              </a:tr>
+              <a:tr h="289830">
+                <a:tc>
+                  <a:txBody>
+                    <a:bodyPr/>
+                    <a:lstStyle/>
+                    <a:p>
+                      <a:r>
+                        <a:rPr lang="en-US" sz="1700">
+                          <a:effectLst/>
+                        </a:rPr>
+                        <a:t>Thursday</a:t>
+                      </a:r>
+                    </a:p>
+                  </a:txBody>
+                  <a:tcPr marL="15681" marR="15681" marT="15681" marB="15681" anchor="ctr">
+                    <a:lnL w="6350" cap="flat" cmpd="sng" algn="ctr">
+                      <a:solidFill>
+                        <a:srgbClr val="E0E0E0"/>
+                      </a:solidFill>
+                      <a:prstDash val="solid"/>
+                      <a:round/>
+                      <a:headEnd type="none" w="med" len="med"/>
+                      <a:tailEnd type="none" w="med" len="med"/>
+                    </a:lnL>
+                    <a:lnR w="6350" cap="flat" cmpd="sng" algn="ctr">
+                      <a:solidFill>
+                        <a:srgbClr val="E0E0E0"/>
+                      </a:solidFill>
+                      <a:prstDash val="solid"/>
+                      <a:round/>
+                      <a:headEnd type="none" w="med" len="med"/>
+                      <a:tailEnd type="none" w="med" len="med"/>
+                    </a:lnR>
+                    <a:lnT w="6350" cap="flat" cmpd="sng" algn="ctr">
+                      <a:solidFill>
+                        <a:srgbClr val="E0E0E0"/>
+                      </a:solidFill>
+                      <a:prstDash val="solid"/>
+                      <a:round/>
+                      <a:headEnd type="none" w="med" len="med"/>
+                      <a:tailEnd type="none" w="med" len="med"/>
+                    </a:lnT>
+                    <a:lnB w="6350" cap="flat" cmpd="sng" algn="ctr">
+                      <a:solidFill>
+                        <a:srgbClr val="E0E0E0"/>
+                      </a:solidFill>
+                      <a:prstDash val="solid"/>
+                      <a:round/>
+                      <a:headEnd type="none" w="med" len="med"/>
+                      <a:tailEnd type="none" w="med" len="med"/>
+                    </a:lnB>
+                    <a:solidFill>
+                      <a:srgbClr val="FFFFFF"/>
+                    </a:solidFill>
+                  </a:tcPr>
+                </a:tc>
+                <a:tc>
+                  <a:txBody>
+                    <a:bodyPr/>
+                    <a:lstStyle/>
+                    <a:p>
+                      <a:r>
+                        <a:rPr lang="en-US" sz="1700">
+                          <a:effectLst/>
+                        </a:rPr>
+                        <a:t>6 PM - 8 PM : Teams</a:t>
+                      </a:r>
+                    </a:p>
+                  </a:txBody>
+                  <a:tcPr marL="15681" marR="15681" marT="15681" marB="15681" anchor="ctr">
+                    <a:lnL w="6350" cap="flat" cmpd="sng" algn="ctr">
+                      <a:solidFill>
+                        <a:srgbClr val="E0E0E0"/>
+                      </a:solidFill>
+                      <a:prstDash val="solid"/>
+                      <a:round/>
+                      <a:headEnd type="none" w="med" len="med"/>
+                      <a:tailEnd type="none" w="med" len="med"/>
+                    </a:lnL>
+                    <a:lnR w="6350" cap="flat" cmpd="sng" algn="ctr">
+                      <a:solidFill>
+                        <a:srgbClr val="E0E0E0"/>
+                      </a:solidFill>
+                      <a:prstDash val="solid"/>
+                      <a:round/>
+                      <a:headEnd type="none" w="med" len="med"/>
+                      <a:tailEnd type="none" w="med" len="med"/>
+                    </a:lnR>
+                    <a:lnT w="6350" cap="flat" cmpd="sng" algn="ctr">
+                      <a:solidFill>
+                        <a:srgbClr val="E0E0E0"/>
+                      </a:solidFill>
+                      <a:prstDash val="solid"/>
+                      <a:round/>
+                      <a:headEnd type="none" w="med" len="med"/>
+                      <a:tailEnd type="none" w="med" len="med"/>
+                    </a:lnT>
+                    <a:lnB w="6350" cap="flat" cmpd="sng" algn="ctr">
+                      <a:solidFill>
+                        <a:srgbClr val="E0E0E0"/>
+                      </a:solidFill>
+                      <a:prstDash val="solid"/>
+                      <a:round/>
+                      <a:headEnd type="none" w="med" len="med"/>
+                      <a:tailEnd type="none" w="med" len="med"/>
+                    </a:lnB>
+                    <a:solidFill>
+                      <a:srgbClr val="FFFFFF"/>
+                    </a:solidFill>
+                  </a:tcPr>
+                </a:tc>
+                <a:extLst>
+                  <a:ext uri="{0D108BD9-81ED-4DB2-BD59-A6C34878D82A}">
+                    <a16:rowId xmlns:a16="http://schemas.microsoft.com/office/drawing/2014/main" val="2125508035"/>
+                  </a:ext>
+                </a:extLst>
+              </a:tr>
+              <a:tr h="548296">
+                <a:tc>
+                  <a:txBody>
+                    <a:bodyPr/>
+                    <a:lstStyle/>
+                    <a:p>
+                      <a:r>
+                        <a:rPr lang="en-US" sz="1700">
+                          <a:effectLst/>
+                        </a:rPr>
+                        <a:t>Friday</a:t>
+                      </a:r>
+                    </a:p>
+                  </a:txBody>
+                  <a:tcPr marL="15681" marR="15681" marT="15681" marB="15681" anchor="ctr">
+                    <a:lnL w="6350" cap="flat" cmpd="sng" algn="ctr">
+                      <a:solidFill>
+                        <a:srgbClr val="E0E0E0"/>
+                      </a:solidFill>
+                      <a:prstDash val="solid"/>
+                      <a:round/>
+                      <a:headEnd type="none" w="med" len="med"/>
+                      <a:tailEnd type="none" w="med" len="med"/>
+                    </a:lnL>
+                    <a:lnR w="6350" cap="flat" cmpd="sng" algn="ctr">
+                      <a:solidFill>
+                        <a:srgbClr val="E0E0E0"/>
+                      </a:solidFill>
+                      <a:prstDash val="solid"/>
+                      <a:round/>
+                      <a:headEnd type="none" w="med" len="med"/>
+                      <a:tailEnd type="none" w="med" len="med"/>
+                    </a:lnR>
+                    <a:lnT w="6350" cap="flat" cmpd="sng" algn="ctr">
+                      <a:solidFill>
+                        <a:srgbClr val="E0E0E0"/>
+                      </a:solidFill>
+                      <a:prstDash val="solid"/>
+                      <a:round/>
+                      <a:headEnd type="none" w="med" len="med"/>
+                      <a:tailEnd type="none" w="med" len="med"/>
+                    </a:lnT>
+                    <a:lnB w="6350" cap="flat" cmpd="sng" algn="ctr">
+                      <a:solidFill>
+                        <a:srgbClr val="E0E0E0"/>
+                      </a:solidFill>
+                      <a:prstDash val="solid"/>
+                      <a:round/>
+                      <a:headEnd type="none" w="med" len="med"/>
+                      <a:tailEnd type="none" w="med" len="med"/>
+                    </a:lnB>
+                    <a:solidFill>
+                      <a:srgbClr val="FFFFFF"/>
+                    </a:solidFill>
+                  </a:tcPr>
+                </a:tc>
+                <a:tc>
+                  <a:txBody>
+                    <a:bodyPr/>
+                    <a:lstStyle/>
+                    <a:p>
+                      <a:r>
+                        <a:rPr lang="en-US" sz="1700">
+                          <a:effectLst/>
+                        </a:rPr>
+                        <a:t>3 PM - 5 PM : CSB 120</a:t>
+                      </a:r>
+                    </a:p>
+                  </a:txBody>
+                  <a:tcPr marL="15681" marR="15681" marT="15681" marB="15681" anchor="ctr">
+                    <a:lnL w="6350" cap="flat" cmpd="sng" algn="ctr">
+                      <a:solidFill>
+                        <a:srgbClr val="E0E0E0"/>
+                      </a:solidFill>
+                      <a:prstDash val="solid"/>
+                      <a:round/>
+                      <a:headEnd type="none" w="med" len="med"/>
+                      <a:tailEnd type="none" w="med" len="med"/>
+                    </a:lnL>
+                    <a:lnR w="6350" cap="flat" cmpd="sng" algn="ctr">
+                      <a:solidFill>
+                        <a:srgbClr val="E0E0E0"/>
+                      </a:solidFill>
+                      <a:prstDash val="solid"/>
+                      <a:round/>
+                      <a:headEnd type="none" w="med" len="med"/>
+                      <a:tailEnd type="none" w="med" len="med"/>
+                    </a:lnR>
+                    <a:lnT w="6350" cap="flat" cmpd="sng" algn="ctr">
+                      <a:solidFill>
+                        <a:srgbClr val="E0E0E0"/>
+                      </a:solidFill>
+                      <a:prstDash val="solid"/>
+                      <a:round/>
+                      <a:headEnd type="none" w="med" len="med"/>
+                      <a:tailEnd type="none" w="med" len="med"/>
+                    </a:lnT>
+                    <a:lnB w="6350" cap="flat" cmpd="sng" algn="ctr">
+                      <a:solidFill>
+                        <a:srgbClr val="E0E0E0"/>
+                      </a:solidFill>
+                      <a:prstDash val="solid"/>
+                      <a:round/>
+                      <a:headEnd type="none" w="med" len="med"/>
+                      <a:tailEnd type="none" w="med" len="med"/>
+                    </a:lnB>
+                    <a:solidFill>
+                      <a:srgbClr val="FFFFFF"/>
+                    </a:solidFill>
+                  </a:tcPr>
+                </a:tc>
+                <a:extLst>
+                  <a:ext uri="{0D108BD9-81ED-4DB2-BD59-A6C34878D82A}">
+                    <a16:rowId xmlns:a16="http://schemas.microsoft.com/office/drawing/2014/main" val="772220127"/>
+                  </a:ext>
+                </a:extLst>
+              </a:tr>
+              <a:tr h="289830">
+                <a:tc>
+                  <a:txBody>
+                    <a:bodyPr/>
+                    <a:lstStyle/>
+                    <a:p>
+                      <a:r>
+                        <a:rPr lang="en-US" sz="1700">
+                          <a:effectLst/>
+                        </a:rPr>
+                        <a:t>Saturday</a:t>
+                      </a:r>
+                    </a:p>
+                  </a:txBody>
+                  <a:tcPr marL="15681" marR="15681" marT="15681" marB="15681" anchor="ctr">
+                    <a:lnL w="6350" cap="flat" cmpd="sng" algn="ctr">
+                      <a:solidFill>
+                        <a:srgbClr val="E0E0E0"/>
+                      </a:solidFill>
+                      <a:prstDash val="solid"/>
+                      <a:round/>
+                      <a:headEnd type="none" w="med" len="med"/>
+                      <a:tailEnd type="none" w="med" len="med"/>
+                    </a:lnL>
+                    <a:lnR w="6350" cap="flat" cmpd="sng" algn="ctr">
+                      <a:solidFill>
+                        <a:srgbClr val="E0E0E0"/>
+                      </a:solidFill>
+                      <a:prstDash val="solid"/>
+                      <a:round/>
+                      <a:headEnd type="none" w="med" len="med"/>
+                      <a:tailEnd type="none" w="med" len="med"/>
+                    </a:lnR>
+                    <a:lnT w="6350" cap="flat" cmpd="sng" algn="ctr">
+                      <a:solidFill>
+                        <a:srgbClr val="E0E0E0"/>
+                      </a:solidFill>
+                      <a:prstDash val="solid"/>
+                      <a:round/>
+                      <a:headEnd type="none" w="med" len="med"/>
+                      <a:tailEnd type="none" w="med" len="med"/>
+                    </a:lnT>
+                    <a:lnB w="6350" cap="flat" cmpd="sng" algn="ctr">
+                      <a:solidFill>
+                        <a:srgbClr val="E0E0E0"/>
+                      </a:solidFill>
+                      <a:prstDash val="solid"/>
+                      <a:round/>
+                      <a:headEnd type="none" w="med" len="med"/>
+                      <a:tailEnd type="none" w="med" len="med"/>
+                    </a:lnB>
+                    <a:solidFill>
+                      <a:srgbClr val="FFFFFF"/>
+                    </a:solidFill>
+                  </a:tcPr>
+                </a:tc>
+                <a:tc>
+                  <a:txBody>
+                    <a:bodyPr/>
+                    <a:lstStyle/>
+                    <a:p>
+                      <a:r>
+                        <a:rPr lang="en-US" sz="1700">
+                          <a:effectLst/>
+                        </a:rPr>
+                        <a:t>12 PM - 4 PM : Teams</a:t>
+                      </a:r>
+                    </a:p>
+                  </a:txBody>
+                  <a:tcPr marL="15681" marR="15681" marT="15681" marB="15681" anchor="ctr">
+                    <a:lnL w="6350" cap="flat" cmpd="sng" algn="ctr">
+                      <a:solidFill>
+                        <a:srgbClr val="E0E0E0"/>
+                      </a:solidFill>
+                      <a:prstDash val="solid"/>
+                      <a:round/>
+                      <a:headEnd type="none" w="med" len="med"/>
+                      <a:tailEnd type="none" w="med" len="med"/>
+                    </a:lnL>
+                    <a:lnR w="6350" cap="flat" cmpd="sng" algn="ctr">
+                      <a:solidFill>
+                        <a:srgbClr val="E0E0E0"/>
+                      </a:solidFill>
+                      <a:prstDash val="solid"/>
+                      <a:round/>
+                      <a:headEnd type="none" w="med" len="med"/>
+                      <a:tailEnd type="none" w="med" len="med"/>
+                    </a:lnR>
+                    <a:lnT w="6350" cap="flat" cmpd="sng" algn="ctr">
+                      <a:solidFill>
+                        <a:srgbClr val="E0E0E0"/>
+                      </a:solidFill>
+                      <a:prstDash val="solid"/>
+                      <a:round/>
+                      <a:headEnd type="none" w="med" len="med"/>
+                      <a:tailEnd type="none" w="med" len="med"/>
+                    </a:lnT>
+                    <a:lnB w="6350" cap="flat" cmpd="sng" algn="ctr">
+                      <a:solidFill>
+                        <a:srgbClr val="E0E0E0"/>
+                      </a:solidFill>
+                      <a:prstDash val="solid"/>
+                      <a:round/>
+                      <a:headEnd type="none" w="med" len="med"/>
+                      <a:tailEnd type="none" w="med" len="med"/>
+                    </a:lnB>
+                    <a:solidFill>
+                      <a:srgbClr val="FFFFFF"/>
+                    </a:solidFill>
+                  </a:tcPr>
+                </a:tc>
+                <a:extLst>
+                  <a:ext uri="{0D108BD9-81ED-4DB2-BD59-A6C34878D82A}">
+                    <a16:rowId xmlns:a16="http://schemas.microsoft.com/office/drawing/2014/main" val="3754499503"/>
+                  </a:ext>
+                </a:extLst>
+              </a:tr>
+              <a:tr h="289830">
+                <a:tc>
+                  <a:txBody>
+                    <a:bodyPr/>
+                    <a:lstStyle/>
+                    <a:p>
+                      <a:r>
+                        <a:rPr lang="en-US" sz="1700">
+                          <a:effectLst/>
+                        </a:rPr>
+                        <a:t>Sunday</a:t>
+                      </a:r>
+                    </a:p>
+                  </a:txBody>
+                  <a:tcPr marL="15681" marR="15681" marT="15681" marB="15681" anchor="ctr">
+                    <a:lnL w="6350" cap="flat" cmpd="sng" algn="ctr">
+                      <a:solidFill>
+                        <a:srgbClr val="E0E0E0"/>
+                      </a:solidFill>
+                      <a:prstDash val="solid"/>
+                      <a:round/>
+                      <a:headEnd type="none" w="med" len="med"/>
+                      <a:tailEnd type="none" w="med" len="med"/>
+                    </a:lnL>
+                    <a:lnR w="6350" cap="flat" cmpd="sng" algn="ctr">
+                      <a:solidFill>
+                        <a:srgbClr val="E0E0E0"/>
+                      </a:solidFill>
+                      <a:prstDash val="solid"/>
+                      <a:round/>
+                      <a:headEnd type="none" w="med" len="med"/>
+                      <a:tailEnd type="none" w="med" len="med"/>
+                    </a:lnR>
+                    <a:lnT w="6350" cap="flat" cmpd="sng" algn="ctr">
+                      <a:solidFill>
+                        <a:srgbClr val="E0E0E0"/>
+                      </a:solidFill>
+                      <a:prstDash val="solid"/>
+                      <a:round/>
+                      <a:headEnd type="none" w="med" len="med"/>
+                      <a:tailEnd type="none" w="med" len="med"/>
+                    </a:lnT>
+                    <a:lnB w="6350" cap="flat" cmpd="sng" algn="ctr">
+                      <a:solidFill>
+                        <a:srgbClr val="E0E0E0"/>
+                      </a:solidFill>
+                      <a:prstDash val="solid"/>
+                      <a:round/>
+                      <a:headEnd type="none" w="med" len="med"/>
+                      <a:tailEnd type="none" w="med" len="med"/>
+                    </a:lnB>
+                    <a:solidFill>
+                      <a:srgbClr val="FFFFFF"/>
+                    </a:solidFill>
+                  </a:tcPr>
+                </a:tc>
+                <a:tc>
+                  <a:txBody>
+                    <a:bodyPr/>
+                    <a:lstStyle/>
+                    <a:p>
+                      <a:r>
+                        <a:rPr lang="en-US" sz="1700" dirty="0">
+                          <a:effectLst/>
+                        </a:rPr>
+                        <a:t>12 PM - 4 PM : Teams</a:t>
+                      </a:r>
+                    </a:p>
+                  </a:txBody>
+                  <a:tcPr marL="15681" marR="15681" marT="15681" marB="15681" anchor="ctr">
+                    <a:lnL w="6350" cap="flat" cmpd="sng" algn="ctr">
+                      <a:solidFill>
+                        <a:srgbClr val="E0E0E0"/>
+                      </a:solidFill>
+                      <a:prstDash val="solid"/>
+                      <a:round/>
+                      <a:headEnd type="none" w="med" len="med"/>
+                      <a:tailEnd type="none" w="med" len="med"/>
+                    </a:lnL>
+                    <a:lnR w="6350" cap="flat" cmpd="sng" algn="ctr">
+                      <a:solidFill>
+                        <a:srgbClr val="E0E0E0"/>
+                      </a:solidFill>
+                      <a:prstDash val="solid"/>
+                      <a:round/>
+                      <a:headEnd type="none" w="med" len="med"/>
+                      <a:tailEnd type="none" w="med" len="med"/>
+                    </a:lnR>
+                    <a:lnT w="6350" cap="flat" cmpd="sng" algn="ctr">
+                      <a:solidFill>
+                        <a:srgbClr val="E0E0E0"/>
+                      </a:solidFill>
+                      <a:prstDash val="solid"/>
+                      <a:round/>
+                      <a:headEnd type="none" w="med" len="med"/>
+                      <a:tailEnd type="none" w="med" len="med"/>
+                    </a:lnT>
+                    <a:lnB w="6350" cap="flat" cmpd="sng" algn="ctr">
+                      <a:solidFill>
+                        <a:srgbClr val="E0E0E0"/>
+                      </a:solidFill>
+                      <a:prstDash val="solid"/>
+                      <a:round/>
+                      <a:headEnd type="none" w="med" len="med"/>
+                      <a:tailEnd type="none" w="med" len="med"/>
+                    </a:lnB>
+                    <a:solidFill>
+                      <a:srgbClr val="FFFFFF"/>
+                    </a:solidFill>
+                  </a:tcPr>
+                </a:tc>
+                <a:extLst>
+                  <a:ext uri="{0D108BD9-81ED-4DB2-BD59-A6C34878D82A}">
+                    <a16:rowId xmlns:a16="http://schemas.microsoft.com/office/drawing/2014/main" val="1778919050"/>
+                  </a:ext>
+                </a:extLst>
+              </a:tr>
+            </a:tbl>
+          </a:graphicData>
+        </a:graphic>
+      </p:graphicFrame>
+      <p:sp>
+        <p:nvSpPr>
+          <p:cNvPr id="8" name="TextBox 7">
+            <a:extLst>
+              <a:ext uri="{FF2B5EF4-FFF2-40B4-BE49-F238E27FC236}">
+                <a16:creationId xmlns:a16="http://schemas.microsoft.com/office/drawing/2014/main" id="{D76BB3E1-5623-474B-A458-C2159FA9FFB5}"/>
+              </a:ext>
+            </a:extLst>
+          </p:cNvPr>
+          <p:cNvSpPr txBox="1"/>
+          <p:nvPr/>
+        </p:nvSpPr>
+        <p:spPr>
+          <a:xfrm flipH="1">
+            <a:off x="9976198" y="3686145"/>
+            <a:ext cx="2444933" cy="400110"/>
+          </a:xfrm>
+          <a:prstGeom prst="rect">
+            <a:avLst/>
+          </a:prstGeom>
+          <a:noFill/>
+        </p:spPr>
+        <p:txBody>
+          <a:bodyPr wrap="square" rtlCol="0">
+            <a:spAutoFit/>
+          </a:bodyPr>
+          <a:lstStyle/>
+          <a:p>
+            <a:r>
+              <a:rPr lang="en-US" dirty="0"/>
+              <a:t>Help Desk</a:t>
+            </a:r>
+          </a:p>
+        </p:txBody>
+      </p:sp>
     </p:spTree>
     <p:extLst>
       <p:ext uri="{BB962C8B-B14F-4D97-AF65-F5344CB8AC3E}">
@@ -23053,8 +23820,8 @@
         </p:nvSpPr>
         <p:spPr>
           <a:xfrm>
-            <a:off x="628075" y="1776683"/>
-            <a:ext cx="12561453" cy="967701"/>
+            <a:off x="628075" y="1463722"/>
+            <a:ext cx="12561453" cy="1620508"/>
           </a:xfrm>
         </p:spPr>
         <p:txBody>
@@ -23062,29 +23829,29 @@
           <a:lstStyle/>
           <a:p>
             <a:r>
-              <a:rPr lang="en-US" dirty="0"/>
+              <a:rPr lang="en-US" sz="2400" dirty="0"/>
               <a:t>Is a relationship between a more general class (called </a:t>
             </a:r>
             <a:r>
-              <a:rPr lang="en-US" b="1" dirty="0"/>
+              <a:rPr lang="en-US" sz="2400" b="1" dirty="0"/>
               <a:t>superclass</a:t>
             </a:r>
             <a:r>
-              <a:rPr lang="en-US" dirty="0"/>
+              <a:rPr lang="en-US" sz="2400" dirty="0"/>
               <a:t>) and a more specialized class (called </a:t>
             </a:r>
             <a:r>
-              <a:rPr lang="en-US" b="1" dirty="0"/>
+              <a:rPr lang="en-US" sz="2400" b="1" dirty="0"/>
               <a:t>subclass</a:t>
             </a:r>
             <a:r>
-              <a:rPr lang="en-US" dirty="0"/>
+              <a:rPr lang="en-US" sz="2400" dirty="0"/>
               <a:t>) </a:t>
             </a:r>
           </a:p>
           <a:p>
             <a:r>
-              <a:rPr lang="en-US" dirty="0"/>
+              <a:rPr lang="en-US" sz="2400" dirty="0"/>
               <a:t>The subclass inherits data and behavior from the superclass</a:t>
             </a:r>
           </a:p>
@@ -23190,8 +23957,8 @@
         </p:nvSpPr>
         <p:spPr>
           <a:xfrm>
-            <a:off x="7198242" y="3125972"/>
-            <a:ext cx="6525697" cy="1754326"/>
+            <a:off x="6447128" y="3409001"/>
+            <a:ext cx="7225632" cy="1938992"/>
           </a:xfrm>
           <a:prstGeom prst="rect">
             <a:avLst/>
@@ -23209,7 +23976,7 @@
               <a:buAutoNum type="arabicPeriod"/>
             </a:pPr>
             <a:r>
-              <a:rPr lang="en-US" sz="1800" dirty="0">
+              <a:rPr lang="en-US" dirty="0">
                 <a:solidFill>
                   <a:srgbClr val="092529"/>
                 </a:solidFill>
@@ -23224,7 +23991,7 @@
               <a:buAutoNum type="arabicPeriod"/>
             </a:pPr>
             <a:r>
-              <a:rPr lang="en-US" sz="1800" dirty="0">
+              <a:rPr lang="en-US" dirty="0">
                 <a:solidFill>
                   <a:srgbClr val="092529"/>
                 </a:solidFill>
@@ -23239,7 +24006,7 @@
               <a:buAutoNum type="arabicPeriod"/>
             </a:pPr>
             <a:r>
-              <a:rPr lang="en-US" sz="1800" dirty="0">
+              <a:rPr lang="en-US" dirty="0">
                 <a:solidFill>
                   <a:srgbClr val="092529"/>
                 </a:solidFill>
@@ -23250,7 +24017,7 @@
           </a:p>
           <a:p>
             <a:r>
-              <a:rPr lang="en-US" sz="1800" dirty="0">
+              <a:rPr lang="en-US" dirty="0">
                 <a:solidFill>
                   <a:srgbClr val="092529"/>
                 </a:solidFill>
@@ -23261,7 +24028,7 @@
           </a:p>
           <a:p>
             <a:r>
-              <a:rPr lang="en-US" sz="1800" dirty="0">
+              <a:rPr lang="en-US" dirty="0">
                 <a:solidFill>
                   <a:srgbClr val="092529"/>
                 </a:solidFill>
@@ -23272,7 +24039,7 @@
           </a:p>
           <a:p>
             <a:r>
-              <a:rPr lang="en-US" sz="1800" dirty="0">
+              <a:rPr lang="en-US" dirty="0">
                 <a:solidFill>
                   <a:srgbClr val="092529"/>
                 </a:solidFill>
@@ -23474,7 +24241,12 @@
             <p:ph type="title"/>
           </p:nvPr>
         </p:nvSpPr>
-        <p:spPr/>
+        <p:spPr>
+          <a:xfrm>
+            <a:off x="693495" y="245148"/>
+            <a:ext cx="12561453" cy="1015663"/>
+          </a:xfrm>
+        </p:spPr>
         <p:txBody>
           <a:bodyPr/>
           <a:lstStyle/>
@@ -23504,8 +24276,8 @@
         </p:nvSpPr>
         <p:spPr>
           <a:xfrm>
-            <a:off x="628075" y="1776683"/>
-            <a:ext cx="12561453" cy="967701"/>
+            <a:off x="628072" y="1352554"/>
+            <a:ext cx="12561453" cy="1620508"/>
           </a:xfrm>
         </p:spPr>
         <p:txBody>
@@ -23513,13 +24285,13 @@
           <a:lstStyle/>
           <a:p>
             <a:r>
-              <a:rPr lang="en-US" dirty="0"/>
+              <a:rPr lang="en-US" sz="2400" dirty="0"/>
               <a:t>Substitution principle states that you can always use a subclass object when a superclass object is expected.</a:t>
             </a:r>
           </a:p>
           <a:p>
             <a:r>
-              <a:rPr lang="en-US" dirty="0"/>
+              <a:rPr lang="en-US" sz="2400" dirty="0"/>
               <a:t>What does that mean in practice? Let’s consider our Vehicle hierarchy of classes</a:t>
             </a:r>
           </a:p>
@@ -23625,8 +24397,8 @@
         </p:nvSpPr>
         <p:spPr>
           <a:xfrm>
-            <a:off x="7198242" y="3125972"/>
-            <a:ext cx="6690358" cy="2800767"/>
+            <a:off x="6435964" y="3088348"/>
+            <a:ext cx="7381636" cy="2985433"/>
           </a:xfrm>
           <a:prstGeom prst="rect">
             <a:avLst/>
@@ -23644,27 +24416,27 @@
               <a:buAutoNum type="arabicPeriod"/>
             </a:pPr>
             <a:r>
+              <a:rPr lang="en-US" dirty="0">
+                <a:solidFill>
+                  <a:srgbClr val="092529"/>
+                </a:solidFill>
+                <a:latin typeface="Proxima Nova" charset="0"/>
+              </a:rPr>
+              <a:t>Consider a method that takes an argument type Vehicle</a:t>
+            </a:r>
+          </a:p>
+          <a:p>
+            <a:r>
               <a:rPr lang="en-US" sz="1800" dirty="0">
                 <a:solidFill>
                   <a:srgbClr val="092529"/>
                 </a:solidFill>
                 <a:latin typeface="Proxima Nova" charset="0"/>
               </a:rPr>
-              <a:t>Consider a method that takes an argument type Vehicle</a:t>
-            </a:r>
-          </a:p>
-          <a:p>
+              <a:t>     </a:t>
+            </a:r>
             <a:r>
               <a:rPr lang="en-US" sz="1800" dirty="0">
-                <a:solidFill>
-                  <a:srgbClr val="092529"/>
-                </a:solidFill>
-                <a:latin typeface="Proxima Nova" charset="0"/>
-              </a:rPr>
-              <a:t>     </a:t>
-            </a:r>
-            <a:r>
-              <a:rPr lang="en-US" sz="1600" dirty="0">
                 <a:solidFill>
                   <a:srgbClr val="092529"/>
                 </a:solidFill>
@@ -23674,7 +24446,7 @@
               <a:t>void </a:t>
             </a:r>
             <a:r>
-              <a:rPr lang="en-US" sz="1600" dirty="0" err="1">
+              <a:rPr lang="en-US" sz="1800" dirty="0" err="1">
                 <a:solidFill>
                   <a:srgbClr val="092529"/>
                 </a:solidFill>
@@ -23684,7 +24456,7 @@
               <a:t>processVehicle</a:t>
             </a:r>
             <a:r>
-              <a:rPr lang="en-US" sz="1600" dirty="0">
+              <a:rPr lang="en-US" sz="1800" dirty="0">
                 <a:solidFill>
                   <a:srgbClr val="092529"/>
                 </a:solidFill>
@@ -23711,7 +24483,27 @@
                 </a:solidFill>
                 <a:latin typeface="Proxima Nova" charset="0"/>
               </a:rPr>
-              <a:t>2. Because Car is a subclass of Vehicle, you can call the method</a:t>
+              <a:t>2. </a:t>
+            </a:r>
+            <a:r>
+              <a:rPr lang="en-US" dirty="0">
+                <a:solidFill>
+                  <a:srgbClr val="092529"/>
+                </a:solidFill>
+                <a:latin typeface="Proxima Nova" charset="0"/>
+              </a:rPr>
+              <a:t>Because Car is a subclass of Vehicle, you can call the method</a:t>
+            </a:r>
+          </a:p>
+          <a:p>
+            <a:r>
+              <a:rPr lang="en-US" dirty="0">
+                <a:solidFill>
+                  <a:srgbClr val="092529"/>
+                </a:solidFill>
+                <a:latin typeface="Proxima Nova" charset="0"/>
+              </a:rPr>
+              <a:t>with a Car object:</a:t>
             </a:r>
           </a:p>
           <a:p>
@@ -23722,21 +24514,10 @@
                 </a:solidFill>
                 <a:latin typeface="Proxima Nova" charset="0"/>
               </a:rPr>
-              <a:t>with a Car object:</a:t>
-            </a:r>
-          </a:p>
-          <a:p>
+              <a:t>    </a:t>
+            </a:r>
             <a:r>
               <a:rPr lang="en-US" sz="1800" dirty="0">
-                <a:solidFill>
-                  <a:srgbClr val="092529"/>
-                </a:solidFill>
-                <a:latin typeface="Proxima Nova" charset="0"/>
-              </a:rPr>
-              <a:t>    </a:t>
-            </a:r>
-            <a:r>
-              <a:rPr lang="en-US" sz="1600" dirty="0">
                 <a:solidFill>
                   <a:srgbClr val="092529"/>
                 </a:solidFill>
@@ -23748,7 +24529,7 @@
           </a:p>
           <a:p>
             <a:r>
-              <a:rPr lang="en-US" sz="1600" dirty="0">
+              <a:rPr lang="en-US" sz="1800" dirty="0">
                 <a:solidFill>
                   <a:srgbClr val="092529"/>
                 </a:solidFill>
@@ -23758,7 +24539,7 @@
               <a:t>  </a:t>
             </a:r>
             <a:r>
-              <a:rPr lang="en-US" sz="1600" dirty="0" err="1">
+              <a:rPr lang="en-US" sz="1800" dirty="0" err="1">
                 <a:solidFill>
                   <a:srgbClr val="092529"/>
                 </a:solidFill>
@@ -23768,7 +24549,7 @@
               <a:t>processVehicle</a:t>
             </a:r>
             <a:r>
-              <a:rPr lang="en-US" sz="1600" dirty="0">
+              <a:rPr lang="en-US" sz="1800" dirty="0">
                 <a:solidFill>
                   <a:srgbClr val="092529"/>
                 </a:solidFill>
@@ -23800,12 +24581,21 @@
                 </a:solidFill>
                 <a:latin typeface="Proxima Nova" charset="0"/>
               </a:rPr>
-              <a:t>3. Why provide a method that processes Vehicle objects</a:t>
-            </a:r>
-          </a:p>
-          <a:p>
-            <a:r>
-              <a:rPr lang="en-US" sz="1800" dirty="0">
+              <a:t>3. </a:t>
+            </a:r>
+            <a:r>
+              <a:rPr lang="en-US" dirty="0">
+                <a:solidFill>
+                  <a:srgbClr val="092529"/>
+                </a:solidFill>
+                <a:latin typeface="Proxima Nova" charset="0"/>
+              </a:rPr>
+              <a:t>Why provide a method that processes Vehicle objects</a:t>
+            </a:r>
+          </a:p>
+          <a:p>
+            <a:r>
+              <a:rPr lang="en-US" dirty="0">
                 <a:solidFill>
                   <a:srgbClr val="092529"/>
                 </a:solidFill>
@@ -23830,7 +24620,7 @@
         </p:nvSpPr>
         <p:spPr>
           <a:xfrm>
-            <a:off x="7931888" y="6034521"/>
+            <a:off x="7697783" y="6175970"/>
             <a:ext cx="5323060" cy="646331"/>
           </a:xfrm>
           <a:prstGeom prst="rect">
@@ -24074,8 +24864,8 @@
         </p:nvSpPr>
         <p:spPr>
           <a:xfrm>
-            <a:off x="628076" y="1776683"/>
-            <a:ext cx="6442576" cy="967701"/>
+            <a:off x="628075" y="1495995"/>
+            <a:ext cx="6442576" cy="1037528"/>
           </a:xfrm>
         </p:spPr>
         <p:txBody>
@@ -24083,13 +24873,13 @@
           <a:lstStyle/>
           <a:p>
             <a:r>
-              <a:rPr lang="en-US" dirty="0"/>
+              <a:rPr lang="en-US" sz="2000" dirty="0"/>
               <a:t>Consider the following hierarchy of question types</a:t>
             </a:r>
           </a:p>
           <a:p>
             <a:r>
-              <a:rPr lang="en-US" dirty="0"/>
+              <a:rPr lang="en-US" sz="2000" dirty="0"/>
               <a:t>The root of this hierarchy is the Question type</a:t>
             </a:r>
           </a:p>
@@ -24180,8 +24970,8 @@
         </p:nvSpPr>
         <p:spPr>
           <a:xfrm>
-            <a:off x="7353616" y="1791906"/>
-            <a:ext cx="6442576" cy="1478610"/>
+            <a:off x="7353616" y="1486777"/>
+            <a:ext cx="6442576" cy="1622304"/>
           </a:xfrm>
           <a:prstGeom prst="rect">
             <a:avLst/>
@@ -24354,7 +25144,7 @@
           </a:lstStyle>
           <a:p>
             <a:r>
-              <a:rPr lang="en-US" dirty="0"/>
+              <a:rPr lang="en-US" sz="2000" dirty="0"/>
               <a:t>Considering that all question types can display its text and can check whether a given response is a correct answer, which class should implement these functionalities?</a:t>
             </a:r>
           </a:p>
@@ -24417,7 +25207,7 @@
         <p:spPr>
           <a:xfrm>
             <a:off x="7353616" y="3811319"/>
-            <a:ext cx="6442576" cy="481414"/>
+            <a:ext cx="6442576" cy="514308"/>
           </a:xfrm>
           <a:prstGeom prst="rect">
             <a:avLst/>
@@ -24590,7 +25380,7 @@
           </a:lstStyle>
           <a:p>
             <a:r>
-              <a:rPr lang="en-US" dirty="0"/>
+              <a:rPr lang="en-US" sz="2000" dirty="0"/>
               <a:t>What data and behaviors should be implemented?</a:t>
             </a:r>
           </a:p>
@@ -28118,8 +28908,8 @@
         </p:nvSpPr>
         <p:spPr>
           <a:xfrm>
-            <a:off x="628076" y="1776683"/>
-            <a:ext cx="6708389" cy="2685094"/>
+            <a:off x="628076" y="1516990"/>
+            <a:ext cx="6708389" cy="2945743"/>
           </a:xfrm>
         </p:spPr>
         <p:txBody>
@@ -28127,7 +28917,7 @@
           <a:lstStyle/>
           <a:p>
             <a:r>
-              <a:rPr lang="en-US" dirty="0"/>
+              <a:rPr lang="en-US" sz="2000" dirty="0"/>
               <a:t>Suppose we want our program to handle questions like this:</a:t>
             </a:r>
           </a:p>
@@ -28145,7 +28935,7 @@
               <a:buNone/>
             </a:pPr>
             <a:r>
-              <a:rPr lang="en-US" dirty="0"/>
+              <a:rPr lang="en-US" sz="2000" dirty="0"/>
               <a:t>	In which country was the inventor of Java born?</a:t>
             </a:r>
           </a:p>
@@ -28163,7 +28953,7 @@
               <a:buNone/>
             </a:pPr>
             <a:r>
-              <a:rPr lang="en-US" dirty="0"/>
+              <a:rPr lang="en-US" sz="2000" dirty="0"/>
               <a:t>	1. Australia</a:t>
             </a:r>
           </a:p>
@@ -28181,7 +28971,7 @@
               <a:buNone/>
             </a:pPr>
             <a:r>
-              <a:rPr lang="en-US" dirty="0"/>
+              <a:rPr lang="en-US" sz="2000" dirty="0"/>
               <a:t>	2. Canada</a:t>
             </a:r>
           </a:p>
@@ -28199,7 +28989,7 @@
               <a:buNone/>
             </a:pPr>
             <a:r>
-              <a:rPr lang="en-US" dirty="0"/>
+              <a:rPr lang="en-US" sz="2000" dirty="0"/>
               <a:t>	3. Denmark</a:t>
             </a:r>
           </a:p>
@@ -28217,13 +29007,13 @@
               <a:buNone/>
             </a:pPr>
             <a:r>
-              <a:rPr lang="en-US" dirty="0"/>
+              <a:rPr lang="en-US" sz="2000" dirty="0"/>
               <a:t>	4. United States</a:t>
             </a:r>
           </a:p>
           <a:p>
             <a:r>
-              <a:rPr lang="en-US" dirty="0"/>
+              <a:rPr lang="en-US" sz="2000" dirty="0"/>
               <a:t>What we could do?</a:t>
             </a:r>
           </a:p>
@@ -28365,8 +29155,8 @@
         </p:nvSpPr>
         <p:spPr>
           <a:xfrm>
-            <a:off x="7744048" y="1776683"/>
-            <a:ext cx="5844361" cy="4310154"/>
+            <a:off x="7697783" y="1476919"/>
+            <a:ext cx="5844361" cy="5561844"/>
           </a:xfrm>
           <a:prstGeom prst="rect">
             <a:avLst/>
@@ -28539,43 +29329,43 @@
           </a:lstStyle>
           <a:p>
             <a:r>
-              <a:rPr lang="en-US" dirty="0"/>
+              <a:rPr lang="en-US" sz="2000" dirty="0"/>
               <a:t>Subclass</a:t>
             </a:r>
           </a:p>
           <a:p>
             <a:pPr lvl="1"/>
             <a:r>
-              <a:rPr lang="en-US" dirty="0"/>
+              <a:rPr lang="en-US" sz="2000" dirty="0"/>
               <a:t>Automatically have the instance variables that are declared in the superclass</a:t>
             </a:r>
           </a:p>
           <a:p>
             <a:pPr lvl="1"/>
             <a:r>
-              <a:rPr lang="en-US" dirty="0"/>
+              <a:rPr lang="en-US" sz="2000" dirty="0"/>
               <a:t>Inherits all public methods from the superclass</a:t>
             </a:r>
           </a:p>
           <a:p>
             <a:r>
-              <a:rPr lang="en-US" dirty="0"/>
+              <a:rPr lang="en-US" sz="2000" dirty="0"/>
               <a:t>We declare new instance variables (attributes) in the subclass</a:t>
             </a:r>
           </a:p>
           <a:p>
             <a:r>
-              <a:rPr lang="en-US" dirty="0"/>
+              <a:rPr lang="en-US" sz="2000" dirty="0"/>
               <a:t>We declare new methods (behaviors) in the subclass</a:t>
             </a:r>
           </a:p>
           <a:p>
             <a:r>
-              <a:rPr lang="en-US" dirty="0"/>
+              <a:rPr lang="en-US" sz="2000" dirty="0"/>
               <a:t>We can change the implementation of inherited methods if the inherited behavior is not appropriated – this is called </a:t>
             </a:r>
             <a:r>
-              <a:rPr lang="en-US" b="1" dirty="0"/>
+              <a:rPr lang="en-US" sz="2000" b="1" dirty="0"/>
               <a:t>override</a:t>
             </a:r>
           </a:p>
@@ -28857,8 +29647,8 @@
         </p:nvSpPr>
         <p:spPr>
           <a:xfrm>
-            <a:off x="628076" y="1776683"/>
-            <a:ext cx="6506371" cy="2685094"/>
+            <a:off x="603643" y="1444262"/>
+            <a:ext cx="6506371" cy="2945743"/>
           </a:xfrm>
         </p:spPr>
         <p:txBody>
@@ -28866,15 +29656,15 @@
           <a:lstStyle/>
           <a:p>
             <a:r>
-              <a:rPr lang="en-US" dirty="0"/>
+              <a:rPr lang="en-US" sz="2000" dirty="0"/>
               <a:t>Considering the </a:t>
             </a:r>
             <a:r>
-              <a:rPr lang="en-US" dirty="0" err="1"/>
+              <a:rPr lang="en-US" sz="2000" dirty="0" err="1"/>
               <a:t>ChoiceQuestion</a:t>
             </a:r>
             <a:r>
-              <a:rPr lang="en-US" dirty="0"/>
+              <a:rPr lang="en-US" sz="2000" dirty="0"/>
               <a:t> format below:</a:t>
             </a:r>
           </a:p>
@@ -28892,7 +29682,7 @@
               <a:buNone/>
             </a:pPr>
             <a:r>
-              <a:rPr lang="en-US" dirty="0"/>
+              <a:rPr lang="en-US" sz="2000" dirty="0"/>
               <a:t>	In which country was the inventor of Java born?</a:t>
             </a:r>
           </a:p>
@@ -28910,7 +29700,7 @@
               <a:buNone/>
             </a:pPr>
             <a:r>
-              <a:rPr lang="en-US" dirty="0"/>
+              <a:rPr lang="en-US" sz="2000" dirty="0"/>
               <a:t>	1. Australia</a:t>
             </a:r>
           </a:p>
@@ -28928,7 +29718,7 @@
               <a:buNone/>
             </a:pPr>
             <a:r>
-              <a:rPr lang="en-US" dirty="0"/>
+              <a:rPr lang="en-US" sz="2000" dirty="0"/>
               <a:t>	2. Canada</a:t>
             </a:r>
           </a:p>
@@ -28946,7 +29736,7 @@
               <a:buNone/>
             </a:pPr>
             <a:r>
-              <a:rPr lang="en-US" dirty="0"/>
+              <a:rPr lang="en-US" sz="2000" dirty="0"/>
               <a:t>	3. Denmark</a:t>
             </a:r>
           </a:p>
@@ -28964,21 +29754,21 @@
               <a:buNone/>
             </a:pPr>
             <a:r>
-              <a:rPr lang="en-US" dirty="0"/>
+              <a:rPr lang="en-US" sz="2000" dirty="0"/>
               <a:t>	4. United States</a:t>
             </a:r>
           </a:p>
           <a:p>
             <a:r>
-              <a:rPr lang="en-US" dirty="0"/>
+              <a:rPr lang="en-US" sz="2000" dirty="0"/>
               <a:t>What instance variables and methods do we need to have on </a:t>
             </a:r>
             <a:r>
-              <a:rPr lang="en-US" dirty="0" err="1"/>
+              <a:rPr lang="en-US" sz="2000" dirty="0" err="1"/>
               <a:t>ChoiceQuestion</a:t>
             </a:r>
             <a:r>
-              <a:rPr lang="en-US" dirty="0"/>
+              <a:rPr lang="en-US" sz="2000" dirty="0"/>
               <a:t> class?</a:t>
             </a:r>
           </a:p>
@@ -29243,8 +30033,8 @@
         </p:nvSpPr>
         <p:spPr>
           <a:xfrm>
-            <a:off x="7311229" y="1776683"/>
-            <a:ext cx="6506371" cy="4054700"/>
+            <a:off x="7311229" y="1463722"/>
+            <a:ext cx="6506371" cy="4827925"/>
           </a:xfrm>
           <a:prstGeom prst="rect">
             <a:avLst/>
@@ -29417,56 +30207,56 @@
           </a:lstStyle>
           <a:p>
             <a:r>
-              <a:rPr lang="en-US" dirty="0"/>
+              <a:rPr lang="en-US" sz="2000" dirty="0"/>
               <a:t>Okay, so how does the constructor on a subclass works?</a:t>
             </a:r>
           </a:p>
           <a:p>
             <a:r>
-              <a:rPr lang="en-US" dirty="0"/>
+              <a:rPr lang="en-US" sz="2000" dirty="0"/>
               <a:t>We need to initialize the instance variables that are inherited as well the new instance variables (those who belong to the subclass)</a:t>
             </a:r>
           </a:p>
           <a:p>
             <a:r>
-              <a:rPr lang="en-US" dirty="0"/>
+              <a:rPr lang="en-US" sz="2000" dirty="0"/>
               <a:t>To initialize the inherited instance variables</a:t>
             </a:r>
           </a:p>
           <a:p>
             <a:pPr lvl="1"/>
             <a:r>
-              <a:rPr lang="en-US" dirty="0"/>
+              <a:rPr lang="en-US" sz="2000" dirty="0"/>
               <a:t>We do that by calling the constructor of the super class using the reserved work </a:t>
             </a:r>
             <a:r>
-              <a:rPr lang="en-US" b="1" dirty="0"/>
+              <a:rPr lang="en-US" sz="2000" b="1" dirty="0"/>
               <a:t>super </a:t>
             </a:r>
             <a:r>
-              <a:rPr lang="en-US" dirty="0"/>
+              <a:rPr lang="en-US" sz="2000" dirty="0"/>
               <a:t>and passing the necessary parameters</a:t>
             </a:r>
           </a:p>
           <a:p>
             <a:r>
-              <a:rPr lang="en-US" dirty="0"/>
+              <a:rPr lang="en-US" sz="2000" dirty="0"/>
               <a:t>To initialize the new instance variables</a:t>
             </a:r>
           </a:p>
           <a:p>
             <a:pPr lvl="1"/>
             <a:r>
-              <a:rPr lang="en-US" dirty="0"/>
+              <a:rPr lang="en-US" sz="2000" dirty="0"/>
               <a:t>We do what we always have done so far </a:t>
             </a:r>
             <a:r>
-              <a:rPr lang="en-US" dirty="0">
+              <a:rPr lang="en-US" sz="2000" dirty="0">
                 <a:sym typeface="Wingdings" panose="05000000000000000000" pitchFamily="2" charset="2"/>
               </a:rPr>
               <a:t></a:t>
             </a:r>
-            <a:endParaRPr lang="en-US" dirty="0"/>
+            <a:endParaRPr lang="en-US" sz="2000" dirty="0"/>
           </a:p>
         </p:txBody>
       </p:sp>
@@ -34141,23 +34931,6 @@
 </file>
 
 <file path=customXml/item1.xml><?xml version="1.0" encoding="utf-8"?>
-<?mso-contentType ?>
-<FormTemplates xmlns="http://schemas.microsoft.com/sharepoint/v3/contenttype/forms">
-  <Display>DocumentLibraryForm</Display>
-  <Edit>DocumentLibraryForm</Edit>
-  <New>DocumentLibraryForm</New>
-</FormTemplates>
-</file>
-
-<file path=customXml/item2.xml><?xml version="1.0" encoding="utf-8"?>
-<p:properties xmlns:p="http://schemas.microsoft.com/office/2006/metadata/properties" xmlns:xsi="http://www.w3.org/2001/XMLSchema-instance" xmlns:pc="http://schemas.microsoft.com/office/infopath/2007/PartnerControls">
-  <documentManagement>
-    <_activity xmlns="92c41bee-f0ee-4aa6-9399-a35fbb883510" xsi:nil="true"/>
-  </documentManagement>
-</p:properties>
-</file>
-
-<file path=customXml/item3.xml><?xml version="1.0" encoding="utf-8"?>
 <ct:contentTypeSchema xmlns:ct="http://schemas.microsoft.com/office/2006/metadata/contentType" xmlns:ma="http://schemas.microsoft.com/office/2006/metadata/properties/metaAttributes" ct:_="" ma:_="" ma:contentTypeName="Document" ma:contentTypeID="0x010100074387D78AC76C4289401EF66FB51FCC" ma:contentTypeVersion="15" ma:contentTypeDescription="Create a new document." ma:contentTypeScope="" ma:versionID="d3659bec8b8330148a03d82a9d99f412">
   <xsd:schema xmlns:xsd="http://www.w3.org/2001/XMLSchema" xmlns:xs="http://www.w3.org/2001/XMLSchema" xmlns:p="http://schemas.microsoft.com/office/2006/metadata/properties" xmlns:ns3="92c41bee-f0ee-4aa6-9399-a35fbb883510" xmlns:ns4="e06ed288-fd75-4b50-bbed-f5a5df88c31c" targetNamespace="http://schemas.microsoft.com/office/2006/metadata/properties" ma:root="true" ma:fieldsID="1a21d371127b63848c9a2290f5945250" ns3:_="" ns4:_="">
     <xsd:import namespace="92c41bee-f0ee-4aa6-9399-a35fbb883510"/>
@@ -34392,32 +35165,24 @@
 </ct:contentTypeSchema>
 </file>
 
-<file path=customXml/itemProps1.xml><?xml version="1.0" encoding="utf-8"?>
-<ds:datastoreItem xmlns:ds="http://schemas.openxmlformats.org/officeDocument/2006/customXml" ds:itemID="{2E2291BD-DFC5-49CA-979A-25104A0406FD}">
-  <ds:schemaRefs>
-    <ds:schemaRef ds:uri="http://schemas.microsoft.com/sharepoint/v3/contenttype/forms"/>
-  </ds:schemaRefs>
-</ds:datastoreItem>
+<file path=customXml/item2.xml><?xml version="1.0" encoding="utf-8"?>
+<p:properties xmlns:p="http://schemas.microsoft.com/office/2006/metadata/properties" xmlns:xsi="http://www.w3.org/2001/XMLSchema-instance" xmlns:pc="http://schemas.microsoft.com/office/infopath/2007/PartnerControls">
+  <documentManagement>
+    <_activity xmlns="92c41bee-f0ee-4aa6-9399-a35fbb883510" xsi:nil="true"/>
+  </documentManagement>
+</p:properties>
 </file>
 
-<file path=customXml/itemProps2.xml><?xml version="1.0" encoding="utf-8"?>
-<ds:datastoreItem xmlns:ds="http://schemas.openxmlformats.org/officeDocument/2006/customXml" ds:itemID="{40B144E4-EB8A-4FA0-8858-53967A2814D9}">
-  <ds:schemaRefs>
-    <ds:schemaRef ds:uri="http://purl.org/dc/elements/1.1/"/>
-    <ds:schemaRef ds:uri="http://schemas.openxmlformats.org/package/2006/metadata/core-properties"/>
-    <ds:schemaRef ds:uri="http://www.w3.org/XML/1998/namespace"/>
-    <ds:schemaRef ds:uri="http://schemas.microsoft.com/office/2006/documentManagement/types"/>
-    <ds:schemaRef ds:uri="http://schemas.microsoft.com/office/infopath/2007/PartnerControls"/>
-    <ds:schemaRef ds:uri="e06ed288-fd75-4b50-bbed-f5a5df88c31c"/>
-    <ds:schemaRef ds:uri="http://purl.org/dc/dcmitype/"/>
-    <ds:schemaRef ds:uri="92c41bee-f0ee-4aa6-9399-a35fbb883510"/>
-    <ds:schemaRef ds:uri="http://schemas.microsoft.com/office/2006/metadata/properties"/>
-    <ds:schemaRef ds:uri="http://purl.org/dc/terms/"/>
-  </ds:schemaRefs>
-</ds:datastoreItem>
+<file path=customXml/item3.xml><?xml version="1.0" encoding="utf-8"?>
+<?mso-contentType ?>
+<FormTemplates xmlns="http://schemas.microsoft.com/sharepoint/v3/contenttype/forms">
+  <Display>DocumentLibraryForm</Display>
+  <Edit>DocumentLibraryForm</Edit>
+  <New>DocumentLibraryForm</New>
+</FormTemplates>
 </file>
 
-<file path=customXml/itemProps3.xml><?xml version="1.0" encoding="utf-8"?>
+<file path=customXml/itemProps1.xml><?xml version="1.0" encoding="utf-8"?>
 <ds:datastoreItem xmlns:ds="http://schemas.openxmlformats.org/officeDocument/2006/customXml" ds:itemID="{4E37624A-CB4C-4775-9D5B-87C3560EF408}">
   <ds:schemaRefs>
     <ds:schemaRef ds:uri="http://schemas.microsoft.com/office/2006/metadata/contentType"/>
@@ -34434,4 +35199,29 @@
     <ds:schemaRef ds:uri="http://schemas.microsoft.com/internal/obd"/>
   </ds:schemaRefs>
 </ds:datastoreItem>
+</file>
+
+<file path=customXml/itemProps2.xml><?xml version="1.0" encoding="utf-8"?>
+<ds:datastoreItem xmlns:ds="http://schemas.openxmlformats.org/officeDocument/2006/customXml" ds:itemID="{40B144E4-EB8A-4FA0-8858-53967A2814D9}">
+  <ds:schemaRefs>
+    <ds:schemaRef ds:uri="http://schemas.microsoft.com/office/2006/documentManagement/types"/>
+    <ds:schemaRef ds:uri="http://schemas.microsoft.com/office/2006/metadata/properties"/>
+    <ds:schemaRef ds:uri="http://purl.org/dc/terms/"/>
+    <ds:schemaRef ds:uri="http://purl.org/dc/elements/1.1/"/>
+    <ds:schemaRef ds:uri="http://schemas.microsoft.com/office/infopath/2007/PartnerControls"/>
+    <ds:schemaRef ds:uri="http://schemas.openxmlformats.org/package/2006/metadata/core-properties"/>
+    <ds:schemaRef ds:uri="http://purl.org/dc/dcmitype/"/>
+    <ds:schemaRef ds:uri="e06ed288-fd75-4b50-bbed-f5a5df88c31c"/>
+    <ds:schemaRef ds:uri="92c41bee-f0ee-4aa6-9399-a35fbb883510"/>
+    <ds:schemaRef ds:uri="http://www.w3.org/XML/1998/namespace"/>
+  </ds:schemaRefs>
+</ds:datastoreItem>
+</file>
+
+<file path=customXml/itemProps3.xml><?xml version="1.0" encoding="utf-8"?>
+<ds:datastoreItem xmlns:ds="http://schemas.openxmlformats.org/officeDocument/2006/customXml" ds:itemID="{2E2291BD-DFC5-49CA-979A-25104A0406FD}">
+  <ds:schemaRefs>
+    <ds:schemaRef ds:uri="http://schemas.microsoft.com/sharepoint/v3/contenttype/forms"/>
+  </ds:schemaRefs>
+</ds:datastoreItem>
 </file>
--- a/slides/On-Campus/07_03_Inheritance.pptx
+++ b/slides/On-Campus/07_03_Inheritance.pptx
@@ -154,267 +154,20 @@
     <pc:chgData name="Marcia Moraes" userId="c9c67e8a-58e2-4733-9a1c-5d44fec4775b" providerId="ADAL" clId="{7A3B5759-C5AE-4F4B-A123-A71CEDFB2A85}"/>
   </pc:docChgLst>
   <pc:docChgLst>
-    <pc:chgData name="Marcia Moraes" userId="c9c67e8a-58e2-4733-9a1c-5d44fec4775b" providerId="ADAL" clId="{FFA5543F-4D04-47EB-B450-89416CE2F2D2}"/>
-    <pc:docChg chg="custSel modSld">
-      <pc:chgData name="Marcia Moraes" userId="c9c67e8a-58e2-4733-9a1c-5d44fec4775b" providerId="ADAL" clId="{FFA5543F-4D04-47EB-B450-89416CE2F2D2}" dt="2023-09-14T15:43:40.234" v="171" actId="1076"/>
+    <pc:chgData name="Marcia Moraes" userId="c9c67e8a-58e2-4733-9a1c-5d44fec4775b" providerId="ADAL" clId="{5DBC6ECF-636D-48D3-8B2B-561FEC98290E}"/>
+    <pc:docChg chg="modSld">
+      <pc:chgData name="Marcia Moraes" userId="c9c67e8a-58e2-4733-9a1c-5d44fec4775b" providerId="ADAL" clId="{5DBC6ECF-636D-48D3-8B2B-561FEC98290E}" dt="2024-02-16T17:46:25.001" v="1" actId="20577"/>
       <pc:docMkLst>
         <pc:docMk/>
       </pc:docMkLst>
       <pc:sldChg chg="modSp">
-        <pc:chgData name="Marcia Moraes" userId="c9c67e8a-58e2-4733-9a1c-5d44fec4775b" providerId="ADAL" clId="{FFA5543F-4D04-47EB-B450-89416CE2F2D2}" dt="2023-09-14T15:42:39.435" v="163" actId="255"/>
-        <pc:sldMkLst>
-          <pc:docMk/>
-          <pc:sldMk cId="4031683521" sldId="257"/>
-        </pc:sldMkLst>
-        <pc:spChg chg="mod">
-          <ac:chgData name="Marcia Moraes" userId="c9c67e8a-58e2-4733-9a1c-5d44fec4775b" providerId="ADAL" clId="{FFA5543F-4D04-47EB-B450-89416CE2F2D2}" dt="2023-09-14T15:42:39.435" v="163" actId="255"/>
-          <ac:spMkLst>
-            <pc:docMk/>
-            <pc:sldMk cId="4031683521" sldId="257"/>
-            <ac:spMk id="5" creationId="{DDFDC286-5F2E-A744-9400-818045889D9E}"/>
-          </ac:spMkLst>
-        </pc:spChg>
-      </pc:sldChg>
-      <pc:sldChg chg="modSp">
-        <pc:chgData name="Marcia Moraes" userId="c9c67e8a-58e2-4733-9a1c-5d44fec4775b" providerId="ADAL" clId="{FFA5543F-4D04-47EB-B450-89416CE2F2D2}" dt="2023-09-14T15:42:52.206" v="164" actId="255"/>
-        <pc:sldMkLst>
-          <pc:docMk/>
-          <pc:sldMk cId="602393919" sldId="259"/>
-        </pc:sldMkLst>
-        <pc:spChg chg="mod">
-          <ac:chgData name="Marcia Moraes" userId="c9c67e8a-58e2-4733-9a1c-5d44fec4775b" providerId="ADAL" clId="{FFA5543F-4D04-47EB-B450-89416CE2F2D2}" dt="2023-09-14T15:42:52.206" v="164" actId="255"/>
-          <ac:spMkLst>
-            <pc:docMk/>
-            <pc:sldMk cId="602393919" sldId="259"/>
-            <ac:spMk id="3" creationId="{98D78EC2-9F67-E240-B2FA-C686DD2B30EA}"/>
-          </ac:spMkLst>
-        </pc:spChg>
-      </pc:sldChg>
-      <pc:sldChg chg="modSp">
-        <pc:chgData name="Marcia Moraes" userId="c9c67e8a-58e2-4733-9a1c-5d44fec4775b" providerId="ADAL" clId="{FFA5543F-4D04-47EB-B450-89416CE2F2D2}" dt="2023-09-14T15:43:02.927" v="165" actId="255"/>
-        <pc:sldMkLst>
-          <pc:docMk/>
-          <pc:sldMk cId="2558376359" sldId="260"/>
-        </pc:sldMkLst>
-        <pc:spChg chg="mod">
-          <ac:chgData name="Marcia Moraes" userId="c9c67e8a-58e2-4733-9a1c-5d44fec4775b" providerId="ADAL" clId="{FFA5543F-4D04-47EB-B450-89416CE2F2D2}" dt="2023-09-14T15:43:02.927" v="165" actId="255"/>
-          <ac:spMkLst>
-            <pc:docMk/>
-            <pc:sldMk cId="2558376359" sldId="260"/>
-            <ac:spMk id="3" creationId="{C4E5E1A7-90FB-344C-B636-B46CD6ACE694}"/>
-          </ac:spMkLst>
-        </pc:spChg>
-      </pc:sldChg>
-      <pc:sldChg chg="modSp">
-        <pc:chgData name="Marcia Moraes" userId="c9c67e8a-58e2-4733-9a1c-5d44fec4775b" providerId="ADAL" clId="{FFA5543F-4D04-47EB-B450-89416CE2F2D2}" dt="2023-09-14T15:43:40.234" v="171" actId="1076"/>
-        <pc:sldMkLst>
-          <pc:docMk/>
-          <pc:sldMk cId="1733493820" sldId="261"/>
-        </pc:sldMkLst>
-        <pc:spChg chg="mod">
-          <ac:chgData name="Marcia Moraes" userId="c9c67e8a-58e2-4733-9a1c-5d44fec4775b" providerId="ADAL" clId="{FFA5543F-4D04-47EB-B450-89416CE2F2D2}" dt="2023-09-14T15:43:18.569" v="168" actId="1076"/>
-          <ac:spMkLst>
-            <pc:docMk/>
-            <pc:sldMk cId="1733493820" sldId="261"/>
-            <ac:spMk id="2" creationId="{BB603104-1407-1C41-B43E-DCB96FDAA3E0}"/>
-          </ac:spMkLst>
-        </pc:spChg>
-        <pc:spChg chg="mod">
-          <ac:chgData name="Marcia Moraes" userId="c9c67e8a-58e2-4733-9a1c-5d44fec4775b" providerId="ADAL" clId="{FFA5543F-4D04-47EB-B450-89416CE2F2D2}" dt="2023-09-14T15:43:23.214" v="169" actId="1076"/>
-          <ac:spMkLst>
-            <pc:docMk/>
-            <pc:sldMk cId="1733493820" sldId="261"/>
-            <ac:spMk id="3" creationId="{A7958EE0-B31E-BA49-9C67-068BEED827B1}"/>
-          </ac:spMkLst>
-        </pc:spChg>
-        <pc:spChg chg="mod">
-          <ac:chgData name="Marcia Moraes" userId="c9c67e8a-58e2-4733-9a1c-5d44fec4775b" providerId="ADAL" clId="{FFA5543F-4D04-47EB-B450-89416CE2F2D2}" dt="2023-09-14T15:43:40.234" v="171" actId="1076"/>
-          <ac:spMkLst>
-            <pc:docMk/>
-            <pc:sldMk cId="1733493820" sldId="261"/>
-            <ac:spMk id="21" creationId="{85349B9A-CA81-7B4E-8DF2-C45135212713}"/>
-          </ac:spMkLst>
-        </pc:spChg>
-      </pc:sldChg>
-      <pc:sldChg chg="modSp">
-        <pc:chgData name="Marcia Moraes" userId="c9c67e8a-58e2-4733-9a1c-5d44fec4775b" providerId="ADAL" clId="{FFA5543F-4D04-47EB-B450-89416CE2F2D2}" dt="2023-09-14T15:38:57.619" v="137" actId="1076"/>
-        <pc:sldMkLst>
-          <pc:docMk/>
-          <pc:sldMk cId="456769797" sldId="262"/>
-        </pc:sldMkLst>
-        <pc:spChg chg="mod">
-          <ac:chgData name="Marcia Moraes" userId="c9c67e8a-58e2-4733-9a1c-5d44fec4775b" providerId="ADAL" clId="{FFA5543F-4D04-47EB-B450-89416CE2F2D2}" dt="2023-09-14T15:38:57.619" v="137" actId="1076"/>
-          <ac:spMkLst>
-            <pc:docMk/>
-            <pc:sldMk cId="456769797" sldId="262"/>
-            <ac:spMk id="3" creationId="{6C960DAE-B88B-406F-8FDA-8C28CFA755D0}"/>
-          </ac:spMkLst>
-        </pc:spChg>
-        <pc:spChg chg="mod">
-          <ac:chgData name="Marcia Moraes" userId="c9c67e8a-58e2-4733-9a1c-5d44fec4775b" providerId="ADAL" clId="{FFA5543F-4D04-47EB-B450-89416CE2F2D2}" dt="2023-09-14T15:38:44.534" v="134" actId="1076"/>
-          <ac:spMkLst>
-            <pc:docMk/>
-            <pc:sldMk cId="456769797" sldId="262"/>
-            <ac:spMk id="5" creationId="{DDFDC286-5F2E-A744-9400-818045889D9E}"/>
-          </ac:spMkLst>
-        </pc:spChg>
-      </pc:sldChg>
-      <pc:sldChg chg="modSp">
-        <pc:chgData name="Marcia Moraes" userId="c9c67e8a-58e2-4733-9a1c-5d44fec4775b" providerId="ADAL" clId="{FFA5543F-4D04-47EB-B450-89416CE2F2D2}" dt="2023-09-14T15:40:32.061" v="149" actId="255"/>
-        <pc:sldMkLst>
-          <pc:docMk/>
-          <pc:sldMk cId="2153849856" sldId="263"/>
-        </pc:sldMkLst>
-        <pc:spChg chg="mod">
-          <ac:chgData name="Marcia Moraes" userId="c9c67e8a-58e2-4733-9a1c-5d44fec4775b" providerId="ADAL" clId="{FFA5543F-4D04-47EB-B450-89416CE2F2D2}" dt="2023-09-14T15:39:18.686" v="141" actId="1076"/>
-          <ac:spMkLst>
-            <pc:docMk/>
-            <pc:sldMk cId="2153849856" sldId="263"/>
-            <ac:spMk id="4" creationId="{7BC75B87-C129-C04D-B73A-32C854FEB28B}"/>
-          </ac:spMkLst>
-        </pc:spChg>
-        <pc:spChg chg="mod">
-          <ac:chgData name="Marcia Moraes" userId="c9c67e8a-58e2-4733-9a1c-5d44fec4775b" providerId="ADAL" clId="{FFA5543F-4D04-47EB-B450-89416CE2F2D2}" dt="2023-09-14T15:39:14.999" v="139" actId="1076"/>
-          <ac:spMkLst>
-            <pc:docMk/>
-            <pc:sldMk cId="2153849856" sldId="263"/>
-            <ac:spMk id="5" creationId="{DDFDC286-5F2E-A744-9400-818045889D9E}"/>
-          </ac:spMkLst>
-        </pc:spChg>
-        <pc:spChg chg="mod">
-          <ac:chgData name="Marcia Moraes" userId="c9c67e8a-58e2-4733-9a1c-5d44fec4775b" providerId="ADAL" clId="{FFA5543F-4D04-47EB-B450-89416CE2F2D2}" dt="2023-09-14T15:39:52.906" v="144" actId="1076"/>
-          <ac:spMkLst>
-            <pc:docMk/>
-            <pc:sldMk cId="2153849856" sldId="263"/>
-            <ac:spMk id="6" creationId="{E59756DE-2A5E-4103-98F0-389EF50F897B}"/>
-          </ac:spMkLst>
-        </pc:spChg>
-        <pc:spChg chg="mod">
-          <ac:chgData name="Marcia Moraes" userId="c9c67e8a-58e2-4733-9a1c-5d44fec4775b" providerId="ADAL" clId="{FFA5543F-4D04-47EB-B450-89416CE2F2D2}" dt="2023-09-14T15:40:32.061" v="149" actId="255"/>
-          <ac:spMkLst>
-            <pc:docMk/>
-            <pc:sldMk cId="2153849856" sldId="263"/>
-            <ac:spMk id="7" creationId="{D1D43643-09D8-4488-BB22-A443216664C6}"/>
-          </ac:spMkLst>
-        </pc:spChg>
-      </pc:sldChg>
-      <pc:sldChg chg="modSp">
-        <pc:chgData name="Marcia Moraes" userId="c9c67e8a-58e2-4733-9a1c-5d44fec4775b" providerId="ADAL" clId="{FFA5543F-4D04-47EB-B450-89416CE2F2D2}" dt="2023-09-14T15:41:02.387" v="154" actId="255"/>
-        <pc:sldMkLst>
-          <pc:docMk/>
-          <pc:sldMk cId="2016202707" sldId="264"/>
-        </pc:sldMkLst>
-        <pc:spChg chg="mod">
-          <ac:chgData name="Marcia Moraes" userId="c9c67e8a-58e2-4733-9a1c-5d44fec4775b" providerId="ADAL" clId="{FFA5543F-4D04-47EB-B450-89416CE2F2D2}" dt="2023-09-14T15:40:46.534" v="151" actId="1076"/>
-          <ac:spMkLst>
-            <pc:docMk/>
-            <pc:sldMk cId="2016202707" sldId="264"/>
-            <ac:spMk id="5" creationId="{DDFDC286-5F2E-A744-9400-818045889D9E}"/>
-          </ac:spMkLst>
-        </pc:spChg>
-        <pc:spChg chg="mod">
-          <ac:chgData name="Marcia Moraes" userId="c9c67e8a-58e2-4733-9a1c-5d44fec4775b" providerId="ADAL" clId="{FFA5543F-4D04-47EB-B450-89416CE2F2D2}" dt="2023-09-14T15:40:57.209" v="153" actId="1076"/>
-          <ac:spMkLst>
-            <pc:docMk/>
-            <pc:sldMk cId="2016202707" sldId="264"/>
-            <ac:spMk id="8" creationId="{97573F1E-A8C4-477C-98EF-22E5460CBF0E}"/>
-          </ac:spMkLst>
-        </pc:spChg>
-        <pc:spChg chg="mod">
-          <ac:chgData name="Marcia Moraes" userId="c9c67e8a-58e2-4733-9a1c-5d44fec4775b" providerId="ADAL" clId="{FFA5543F-4D04-47EB-B450-89416CE2F2D2}" dt="2023-09-14T15:41:02.387" v="154" actId="255"/>
-          <ac:spMkLst>
-            <pc:docMk/>
-            <pc:sldMk cId="2016202707" sldId="264"/>
-            <ac:spMk id="11" creationId="{876AB1C7-B71F-467E-8C2D-24823FD80EE7}"/>
-          </ac:spMkLst>
-        </pc:spChg>
-      </pc:sldChg>
-      <pc:sldChg chg="modSp">
-        <pc:chgData name="Marcia Moraes" userId="c9c67e8a-58e2-4733-9a1c-5d44fec4775b" providerId="ADAL" clId="{FFA5543F-4D04-47EB-B450-89416CE2F2D2}" dt="2023-09-14T15:41:39.974" v="158" actId="1076"/>
-        <pc:sldMkLst>
-          <pc:docMk/>
-          <pc:sldMk cId="2838885280" sldId="266"/>
-        </pc:sldMkLst>
-        <pc:spChg chg="mod">
-          <ac:chgData name="Marcia Moraes" userId="c9c67e8a-58e2-4733-9a1c-5d44fec4775b" providerId="ADAL" clId="{FFA5543F-4D04-47EB-B450-89416CE2F2D2}" dt="2023-09-14T15:41:29.666" v="156" actId="1076"/>
-          <ac:spMkLst>
-            <pc:docMk/>
-            <pc:sldMk cId="2838885280" sldId="266"/>
-            <ac:spMk id="5" creationId="{DDFDC286-5F2E-A744-9400-818045889D9E}"/>
-          </ac:spMkLst>
-        </pc:spChg>
-        <pc:spChg chg="mod">
-          <ac:chgData name="Marcia Moraes" userId="c9c67e8a-58e2-4733-9a1c-5d44fec4775b" providerId="ADAL" clId="{FFA5543F-4D04-47EB-B450-89416CE2F2D2}" dt="2023-09-14T15:41:39.974" v="158" actId="1076"/>
-          <ac:spMkLst>
-            <pc:docMk/>
-            <pc:sldMk cId="2838885280" sldId="266"/>
-            <ac:spMk id="14" creationId="{E766F170-FD35-4D06-AAD6-F58B1719111A}"/>
-          </ac:spMkLst>
-        </pc:spChg>
-      </pc:sldChg>
-      <pc:sldChg chg="modSp">
-        <pc:chgData name="Marcia Moraes" userId="c9c67e8a-58e2-4733-9a1c-5d44fec4775b" providerId="ADAL" clId="{FFA5543F-4D04-47EB-B450-89416CE2F2D2}" dt="2023-09-14T15:42:07.352" v="162" actId="255"/>
-        <pc:sldMkLst>
-          <pc:docMk/>
-          <pc:sldMk cId="1054478833" sldId="267"/>
-        </pc:sldMkLst>
-        <pc:spChg chg="mod">
-          <ac:chgData name="Marcia Moraes" userId="c9c67e8a-58e2-4733-9a1c-5d44fec4775b" providerId="ADAL" clId="{FFA5543F-4D04-47EB-B450-89416CE2F2D2}" dt="2023-09-14T15:42:00.788" v="160" actId="1076"/>
-          <ac:spMkLst>
-            <pc:docMk/>
-            <pc:sldMk cId="1054478833" sldId="267"/>
-            <ac:spMk id="5" creationId="{DDFDC286-5F2E-A744-9400-818045889D9E}"/>
-          </ac:spMkLst>
-        </pc:spChg>
-        <pc:spChg chg="mod">
-          <ac:chgData name="Marcia Moraes" userId="c9c67e8a-58e2-4733-9a1c-5d44fec4775b" providerId="ADAL" clId="{FFA5543F-4D04-47EB-B450-89416CE2F2D2}" dt="2023-09-14T15:42:07.352" v="162" actId="255"/>
-          <ac:spMkLst>
-            <pc:docMk/>
-            <pc:sldMk cId="1054478833" sldId="267"/>
-            <ac:spMk id="8" creationId="{19C255FD-0EE1-499D-919E-CFC825642644}"/>
-          </ac:spMkLst>
-        </pc:spChg>
-      </pc:sldChg>
-      <pc:sldChg chg="addSp modSp">
-        <pc:chgData name="Marcia Moraes" userId="c9c67e8a-58e2-4733-9a1c-5d44fec4775b" providerId="ADAL" clId="{FFA5543F-4D04-47EB-B450-89416CE2F2D2}" dt="2023-09-14T15:38:14.432" v="132" actId="1076"/>
+        <pc:chgData name="Marcia Moraes" userId="c9c67e8a-58e2-4733-9a1c-5d44fec4775b" providerId="ADAL" clId="{5DBC6ECF-636D-48D3-8B2B-561FEC98290E}" dt="2024-02-16T17:46:25.001" v="1" actId="20577"/>
         <pc:sldMkLst>
           <pc:docMk/>
           <pc:sldMk cId="2571368551" sldId="272"/>
         </pc:sldMkLst>
-        <pc:spChg chg="mod">
-          <ac:chgData name="Marcia Moraes" userId="c9c67e8a-58e2-4733-9a1c-5d44fec4775b" providerId="ADAL" clId="{FFA5543F-4D04-47EB-B450-89416CE2F2D2}" dt="2023-09-14T15:37:52.435" v="129" actId="1076"/>
-          <ac:spMkLst>
-            <pc:docMk/>
-            <pc:sldMk cId="2571368551" sldId="272"/>
-            <ac:spMk id="4" creationId="{119AD8F2-D5DB-A84B-A5B3-F7935E3E6D1D}"/>
-          </ac:spMkLst>
-        </pc:spChg>
-        <pc:spChg chg="mod">
-          <ac:chgData name="Marcia Moraes" userId="c9c67e8a-58e2-4733-9a1c-5d44fec4775b" providerId="ADAL" clId="{FFA5543F-4D04-47EB-B450-89416CE2F2D2}" dt="2023-09-14T15:36:56.854" v="0" actId="1076"/>
-          <ac:spMkLst>
-            <pc:docMk/>
-            <pc:sldMk cId="2571368551" sldId="272"/>
-            <ac:spMk id="6" creationId="{A2494937-C0C7-4ABC-A6FF-48F67C26DCCE}"/>
-          </ac:spMkLst>
-        </pc:spChg>
-        <pc:spChg chg="add">
-          <ac:chgData name="Marcia Moraes" userId="c9c67e8a-58e2-4733-9a1c-5d44fec4775b" providerId="ADAL" clId="{FFA5543F-4D04-47EB-B450-89416CE2F2D2}" dt="2023-09-14T15:37:41.153" v="127"/>
-          <ac:spMkLst>
-            <pc:docMk/>
-            <pc:sldMk cId="2571368551" sldId="272"/>
-            <ac:spMk id="8" creationId="{D76BB3E1-5623-474B-A458-C2159FA9FFB5}"/>
-          </ac:spMkLst>
-        </pc:spChg>
-        <pc:spChg chg="mod">
-          <ac:chgData name="Marcia Moraes" userId="c9c67e8a-58e2-4733-9a1c-5d44fec4775b" providerId="ADAL" clId="{FFA5543F-4D04-47EB-B450-89416CE2F2D2}" dt="2023-09-14T15:38:14.432" v="132" actId="1076"/>
-          <ac:spMkLst>
-            <pc:docMk/>
-            <pc:sldMk cId="2571368551" sldId="272"/>
-            <ac:spMk id="11" creationId="{BDA0DBC1-29A7-4498-B9AA-9B174D0FEC3E}"/>
-          </ac:spMkLst>
-        </pc:spChg>
-        <pc:graphicFrameChg chg="add">
-          <ac:chgData name="Marcia Moraes" userId="c9c67e8a-58e2-4733-9a1c-5d44fec4775b" providerId="ADAL" clId="{FFA5543F-4D04-47EB-B450-89416CE2F2D2}" dt="2023-09-14T15:37:41.153" v="127"/>
+        <pc:graphicFrameChg chg="modGraphic">
+          <ac:chgData name="Marcia Moraes" userId="c9c67e8a-58e2-4733-9a1c-5d44fec4775b" providerId="ADAL" clId="{5DBC6ECF-636D-48D3-8B2B-561FEC98290E}" dt="2024-02-16T17:46:25.001" v="1" actId="20577"/>
           <ac:graphicFrameMkLst>
             <pc:docMk/>
             <pc:sldMk cId="2571368551" sldId="272"/>
@@ -423,6 +176,9 @@
         </pc:graphicFrameChg>
       </pc:sldChg>
     </pc:docChg>
+  </pc:docChgLst>
+  <pc:docChgLst>
+    <pc:chgData name="Marcia Moraes" userId="c9c67e8a-58e2-4733-9a1c-5d44fec4775b" providerId="ADAL" clId="{FFA5543F-4D04-47EB-B450-89416CE2F2D2}"/>
   </pc:docChgLst>
 </pc:chgInfo>
 </file>
@@ -509,7 +265,7 @@
           <a:p>
             <a:fld id="{4D7E51A5-B478-1E40-8CBB-0DAA8831E99D}" type="datetimeFigureOut">
               <a:rPr lang="en-US" smtClean="0"/>
-              <a:t>9/14/2023</a:t>
+              <a:t>2/16/2024</a:t>
             </a:fld>
             <a:endParaRPr lang="en-US"/>
           </a:p>
@@ -674,7 +430,7 @@
           <a:p>
             <a:fld id="{D0ED587F-861E-6740-9643-E3DDAE89B8D6}" type="datetimeFigureOut">
               <a:rPr lang="en-US" smtClean="0"/>
-              <a:t>9/14/2023</a:t>
+              <a:t>2/16/2024</a:t>
             </a:fld>
             <a:endParaRPr lang="en-US"/>
           </a:p>
@@ -22729,7 +22485,7 @@
           <p:nvPr>
             <p:extLst>
               <p:ext uri="{D42A27DB-BD31-4B8C-83A1-F6EECF244321}">
-                <p14:modId xmlns:p14="http://schemas.microsoft.com/office/powerpoint/2010/main" val="3495294103"/>
+                <p14:modId xmlns:p14="http://schemas.microsoft.com/office/powerpoint/2010/main" val="521787058"/>
               </p:ext>
             </p:extLst>
           </p:nvPr>
@@ -22945,10 +22701,10 @@
                     <a:lstStyle/>
                     <a:p>
                       <a:r>
-                        <a:rPr lang="en-US" sz="1700">
+                        <a:rPr lang="en-US" sz="1700" dirty="0">
                           <a:effectLst/>
                         </a:rPr>
-                        <a:t>12 PM - 2 PM : CSB 120</a:t>
+                        <a:t>2 PM - 5 PM : CSB 120</a:t>
                       </a:r>
                     </a:p>
                   </a:txBody>
@@ -34931,6 +34687,14 @@
 </file>
 
 <file path=customXml/item1.xml><?xml version="1.0" encoding="utf-8"?>
+<p:properties xmlns:p="http://schemas.microsoft.com/office/2006/metadata/properties" xmlns:xsi="http://www.w3.org/2001/XMLSchema-instance" xmlns:pc="http://schemas.microsoft.com/office/infopath/2007/PartnerControls">
+  <documentManagement>
+    <_activity xmlns="92c41bee-f0ee-4aa6-9399-a35fbb883510" xsi:nil="true"/>
+  </documentManagement>
+</p:properties>
+</file>
+
+<file path=customXml/item2.xml><?xml version="1.0" encoding="utf-8"?>
 <ct:contentTypeSchema xmlns:ct="http://schemas.microsoft.com/office/2006/metadata/contentType" xmlns:ma="http://schemas.microsoft.com/office/2006/metadata/properties/metaAttributes" ct:_="" ma:_="" ma:contentTypeName="Document" ma:contentTypeID="0x010100074387D78AC76C4289401EF66FB51FCC" ma:contentTypeVersion="15" ma:contentTypeDescription="Create a new document." ma:contentTypeScope="" ma:versionID="d3659bec8b8330148a03d82a9d99f412">
   <xsd:schema xmlns:xsd="http://www.w3.org/2001/XMLSchema" xmlns:xs="http://www.w3.org/2001/XMLSchema" xmlns:p="http://schemas.microsoft.com/office/2006/metadata/properties" xmlns:ns3="92c41bee-f0ee-4aa6-9399-a35fbb883510" xmlns:ns4="e06ed288-fd75-4b50-bbed-f5a5df88c31c" targetNamespace="http://schemas.microsoft.com/office/2006/metadata/properties" ma:root="true" ma:fieldsID="1a21d371127b63848c9a2290f5945250" ns3:_="" ns4:_="">
     <xsd:import namespace="92c41bee-f0ee-4aa6-9399-a35fbb883510"/>
@@ -35165,14 +34929,6 @@
 </ct:contentTypeSchema>
 </file>
 
-<file path=customXml/item2.xml><?xml version="1.0" encoding="utf-8"?>
-<p:properties xmlns:p="http://schemas.microsoft.com/office/2006/metadata/properties" xmlns:xsi="http://www.w3.org/2001/XMLSchema-instance" xmlns:pc="http://schemas.microsoft.com/office/infopath/2007/PartnerControls">
-  <documentManagement>
-    <_activity xmlns="92c41bee-f0ee-4aa6-9399-a35fbb883510" xsi:nil="true"/>
-  </documentManagement>
-</p:properties>
-</file>
-
 <file path=customXml/item3.xml><?xml version="1.0" encoding="utf-8"?>
 <?mso-contentType ?>
 <FormTemplates xmlns="http://schemas.microsoft.com/sharepoint/v3/contenttype/forms">
@@ -35183,6 +34939,23 @@
 </file>
 
 <file path=customXml/itemProps1.xml><?xml version="1.0" encoding="utf-8"?>
+<ds:datastoreItem xmlns:ds="http://schemas.openxmlformats.org/officeDocument/2006/customXml" ds:itemID="{40B144E4-EB8A-4FA0-8858-53967A2814D9}">
+  <ds:schemaRefs>
+    <ds:schemaRef ds:uri="http://schemas.microsoft.com/office/2006/metadata/properties"/>
+    <ds:schemaRef ds:uri="e06ed288-fd75-4b50-bbed-f5a5df88c31c"/>
+    <ds:schemaRef ds:uri="92c41bee-f0ee-4aa6-9399-a35fbb883510"/>
+    <ds:schemaRef ds:uri="http://schemas.microsoft.com/office/2006/documentManagement/types"/>
+    <ds:schemaRef ds:uri="http://purl.org/dc/dcmitype/"/>
+    <ds:schemaRef ds:uri="http://purl.org/dc/elements/1.1/"/>
+    <ds:schemaRef ds:uri="http://www.w3.org/XML/1998/namespace"/>
+    <ds:schemaRef ds:uri="http://schemas.microsoft.com/office/infopath/2007/PartnerControls"/>
+    <ds:schemaRef ds:uri="http://schemas.openxmlformats.org/package/2006/metadata/core-properties"/>
+    <ds:schemaRef ds:uri="http://purl.org/dc/terms/"/>
+  </ds:schemaRefs>
+</ds:datastoreItem>
+</file>
+
+<file path=customXml/itemProps2.xml><?xml version="1.0" encoding="utf-8"?>
 <ds:datastoreItem xmlns:ds="http://schemas.openxmlformats.org/officeDocument/2006/customXml" ds:itemID="{4E37624A-CB4C-4775-9D5B-87C3560EF408}">
   <ds:schemaRefs>
     <ds:schemaRef ds:uri="http://schemas.microsoft.com/office/2006/metadata/contentType"/>
@@ -35201,23 +34974,6 @@
 </ds:datastoreItem>
 </file>
 
-<file path=customXml/itemProps2.xml><?xml version="1.0" encoding="utf-8"?>
-<ds:datastoreItem xmlns:ds="http://schemas.openxmlformats.org/officeDocument/2006/customXml" ds:itemID="{40B144E4-EB8A-4FA0-8858-53967A2814D9}">
-  <ds:schemaRefs>
-    <ds:schemaRef ds:uri="http://schemas.microsoft.com/office/2006/documentManagement/types"/>
-    <ds:schemaRef ds:uri="http://schemas.microsoft.com/office/2006/metadata/properties"/>
-    <ds:schemaRef ds:uri="http://purl.org/dc/terms/"/>
-    <ds:schemaRef ds:uri="http://purl.org/dc/elements/1.1/"/>
-    <ds:schemaRef ds:uri="http://schemas.microsoft.com/office/infopath/2007/PartnerControls"/>
-    <ds:schemaRef ds:uri="http://schemas.openxmlformats.org/package/2006/metadata/core-properties"/>
-    <ds:schemaRef ds:uri="http://purl.org/dc/dcmitype/"/>
-    <ds:schemaRef ds:uri="e06ed288-fd75-4b50-bbed-f5a5df88c31c"/>
-    <ds:schemaRef ds:uri="92c41bee-f0ee-4aa6-9399-a35fbb883510"/>
-    <ds:schemaRef ds:uri="http://www.w3.org/XML/1998/namespace"/>
-  </ds:schemaRefs>
-</ds:datastoreItem>
-</file>
-
 <file path=customXml/itemProps3.xml><?xml version="1.0" encoding="utf-8"?>
 <ds:datastoreItem xmlns:ds="http://schemas.openxmlformats.org/officeDocument/2006/customXml" ds:itemID="{2E2291BD-DFC5-49CA-979A-25104A0406FD}">
   <ds:schemaRefs>
